--- a/figures.pptx
+++ b/figures.pptx
@@ -5761,7 +5761,7 @@
         </p:nvGrpSpPr>
         <p:grpSpPr>
           <a:xfrm>
-            <a:off x="5567045" y="5151120"/>
+            <a:off x="6418580" y="5718175"/>
             <a:ext cx="1156335" cy="398780"/>
             <a:chOff x="13313" y="311"/>
             <a:chExt cx="1821" cy="628"/>
@@ -5857,7 +5857,7 @@
         </p:nvGrpSpPr>
         <p:grpSpPr>
           <a:xfrm>
-            <a:off x="5566410" y="5777230"/>
+            <a:off x="6419215" y="6315075"/>
             <a:ext cx="1156335" cy="379730"/>
             <a:chOff x="13313" y="326"/>
             <a:chExt cx="1821" cy="598"/>
@@ -5953,7 +5953,7 @@
         </p:nvGrpSpPr>
         <p:grpSpPr>
           <a:xfrm>
-            <a:off x="6584315" y="6294120"/>
+            <a:off x="7962900" y="6330950"/>
             <a:ext cx="1156335" cy="379730"/>
             <a:chOff x="13313" y="326"/>
             <a:chExt cx="1821" cy="598"/>
@@ -6049,7 +6049,7 @@
         </p:nvGrpSpPr>
         <p:grpSpPr>
           <a:xfrm>
-            <a:off x="8057515" y="6299835"/>
+            <a:off x="9227185" y="6336665"/>
             <a:ext cx="1156335" cy="379730"/>
             <a:chOff x="13313" y="326"/>
             <a:chExt cx="1821" cy="598"/>
@@ -6227,13 +6227,15 @@
       <p:cxnSp>
         <p:nvCxnSpPr>
           <p:cNvPr id="100" name="直接连接符 99"/>
-          <p:cNvCxnSpPr/>
+          <p:cNvCxnSpPr>
+            <a:stCxn id="85" idx="0"/>
+          </p:cNvCxnSpPr>
           <p:nvPr/>
         </p:nvCxnSpPr>
         <p:spPr>
-          <a:xfrm>
-            <a:off x="6722745" y="5350510"/>
-            <a:ext cx="1128395" cy="176530"/>
+          <a:xfrm flipV="1">
+            <a:off x="6997065" y="5547360"/>
+            <a:ext cx="706755" cy="170815"/>
           </a:xfrm>
           <a:prstGeom prst="line">
             <a:avLst/>
@@ -6257,13 +6259,15 @@
       <p:cxnSp>
         <p:nvCxnSpPr>
           <p:cNvPr id="101" name="直接连接符 100"/>
-          <p:cNvCxnSpPr/>
+          <p:cNvCxnSpPr>
+            <a:stCxn id="91" idx="0"/>
+          </p:cNvCxnSpPr>
           <p:nvPr/>
         </p:nvCxnSpPr>
         <p:spPr>
           <a:xfrm flipV="1">
-            <a:off x="6722110" y="5516880"/>
-            <a:ext cx="1003300" cy="450215"/>
+            <a:off x="6997700" y="5876290"/>
+            <a:ext cx="1373505" cy="444500"/>
           </a:xfrm>
           <a:prstGeom prst="line">
             <a:avLst/>
@@ -6287,13 +6291,16 @@
       <p:cxnSp>
         <p:nvCxnSpPr>
           <p:cNvPr id="102" name="直接连接符 101"/>
-          <p:cNvCxnSpPr/>
+          <p:cNvCxnSpPr>
+            <a:stCxn id="94" idx="0"/>
+            <a:endCxn id="13" idx="2"/>
+          </p:cNvCxnSpPr>
           <p:nvPr/>
         </p:nvCxnSpPr>
         <p:spPr>
-          <a:xfrm flipV="1">
-            <a:off x="7162800" y="5516880"/>
-            <a:ext cx="562610" cy="782955"/>
+          <a:xfrm flipH="1" flipV="1">
+            <a:off x="8371205" y="5882640"/>
+            <a:ext cx="170180" cy="454025"/>
           </a:xfrm>
           <a:prstGeom prst="line">
             <a:avLst/>
@@ -6317,13 +6324,15 @@
       <p:cxnSp>
         <p:nvCxnSpPr>
           <p:cNvPr id="103" name="直接连接符 102"/>
-          <p:cNvCxnSpPr/>
+          <p:cNvCxnSpPr>
+            <a:stCxn id="97" idx="0"/>
+          </p:cNvCxnSpPr>
           <p:nvPr/>
         </p:nvCxnSpPr>
         <p:spPr>
           <a:xfrm flipH="1" flipV="1">
             <a:off x="8371205" y="5882640"/>
-            <a:ext cx="264795" cy="422910"/>
+            <a:ext cx="1434465" cy="459740"/>
           </a:xfrm>
           <a:prstGeom prst="line">
             <a:avLst/>
@@ -6442,7 +6451,7 @@
         </p:nvGrpSpPr>
         <p:grpSpPr>
           <a:xfrm>
-            <a:off x="1461135" y="474980"/>
+            <a:off x="1458595" y="204470"/>
             <a:ext cx="1156335" cy="398780"/>
             <a:chOff x="13313" y="311"/>
             <a:chExt cx="1821" cy="628"/>
@@ -6634,7 +6643,7 @@
         </p:nvGrpSpPr>
         <p:grpSpPr>
           <a:xfrm>
-            <a:off x="1071245" y="3340100"/>
+            <a:off x="676275" y="3023235"/>
             <a:ext cx="1156970" cy="398780"/>
             <a:chOff x="13312" y="311"/>
             <a:chExt cx="1822" cy="628"/>
@@ -6725,43 +6734,15 @@
       <p:cxnSp>
         <p:nvCxnSpPr>
           <p:cNvPr id="117" name="直接连接符 116"/>
-          <p:cNvCxnSpPr/>
+          <p:cNvCxnSpPr>
+            <a:endCxn id="17" idx="1"/>
+          </p:cNvCxnSpPr>
           <p:nvPr/>
         </p:nvCxnSpPr>
         <p:spPr>
           <a:xfrm>
-            <a:off x="2354580" y="2946400"/>
-            <a:ext cx="471170" cy="622300"/>
-          </a:xfrm>
-          <a:prstGeom prst="line">
-            <a:avLst/>
-          </a:prstGeom>
-        </p:spPr>
-        <p:style>
-          <a:lnRef idx="1">
-            <a:schemeClr val="accent1"/>
-          </a:lnRef>
-          <a:fillRef idx="0">
-            <a:schemeClr val="accent1"/>
-          </a:fillRef>
-          <a:effectRef idx="0">
-            <a:schemeClr val="accent1"/>
-          </a:effectRef>
-          <a:fontRef idx="minor">
-            <a:schemeClr val="tx1"/>
-          </a:fontRef>
-        </p:style>
-      </p:cxnSp>
-      <p:cxnSp>
-        <p:nvCxnSpPr>
-          <p:cNvPr id="118" name="直接连接符 117"/>
-          <p:cNvCxnSpPr/>
-          <p:nvPr/>
-        </p:nvCxnSpPr>
-        <p:spPr>
-          <a:xfrm>
-            <a:off x="2228215" y="3539490"/>
-            <a:ext cx="262255" cy="77470"/>
+            <a:off x="2004695" y="2952750"/>
+            <a:ext cx="506095" cy="636270"/>
           </a:xfrm>
           <a:prstGeom prst="line">
             <a:avLst/>
@@ -6790,7 +6771,7 @@
         </p:nvGrpSpPr>
         <p:grpSpPr>
           <a:xfrm>
-            <a:off x="1125855" y="4177030"/>
+            <a:off x="676275" y="3954145"/>
             <a:ext cx="1156970" cy="398780"/>
             <a:chOff x="13312" y="311"/>
             <a:chExt cx="1822" cy="628"/>
@@ -6886,7 +6867,7 @@
         </p:nvGrpSpPr>
         <p:grpSpPr>
           <a:xfrm>
-            <a:off x="304800" y="3772535"/>
+            <a:off x="676910" y="3469005"/>
             <a:ext cx="1156970" cy="379730"/>
             <a:chOff x="13313" y="326"/>
             <a:chExt cx="1822" cy="598"/>
@@ -6982,7 +6963,7 @@
         </p:nvGrpSpPr>
         <p:grpSpPr>
           <a:xfrm>
-            <a:off x="9431655" y="6299200"/>
+            <a:off x="10596880" y="6320790"/>
             <a:ext cx="1156335" cy="379730"/>
             <a:chOff x="13313" y="326"/>
             <a:chExt cx="1821" cy="598"/>
@@ -7073,13 +7054,15 @@
       <p:cxnSp>
         <p:nvCxnSpPr>
           <p:cNvPr id="128" name="直接连接符 127"/>
-          <p:cNvCxnSpPr/>
+          <p:cNvCxnSpPr>
+            <a:endCxn id="127" idx="1"/>
+          </p:cNvCxnSpPr>
           <p:nvPr/>
         </p:nvCxnSpPr>
         <p:spPr>
           <a:xfrm>
             <a:off x="8371205" y="5882640"/>
-            <a:ext cx="1638935" cy="438150"/>
+            <a:ext cx="2226310" cy="628650"/>
           </a:xfrm>
           <a:prstGeom prst="line">
             <a:avLst/>
@@ -7228,96 +7211,115 @@
           </a:fontRef>
         </p:style>
       </p:cxnSp>
-      <p:cxnSp>
-        <p:nvCxnSpPr>
-          <p:cNvPr id="133" name="直接连接符 132"/>
-          <p:cNvCxnSpPr/>
+      <p:grpSp>
+        <p:nvGrpSpPr>
+          <p:cNvPr id="266" name="组合 265"/>
+          <p:cNvGrpSpPr/>
           <p:nvPr/>
-        </p:nvCxnSpPr>
-        <p:spPr>
-          <a:xfrm flipV="1">
-            <a:off x="2019300" y="3568700"/>
-            <a:ext cx="806450" cy="588010"/>
-          </a:xfrm>
-          <a:prstGeom prst="line">
-            <a:avLst/>
-          </a:prstGeom>
-        </p:spPr>
-        <p:style>
-          <a:lnRef idx="1">
-            <a:schemeClr val="accent1"/>
-          </a:lnRef>
-          <a:fillRef idx="0">
-            <a:schemeClr val="accent1"/>
-          </a:fillRef>
-          <a:effectRef idx="0">
-            <a:schemeClr val="accent1"/>
-          </a:effectRef>
-          <a:fontRef idx="minor">
-            <a:schemeClr val="tx1"/>
-          </a:fontRef>
-        </p:style>
-      </p:cxnSp>
-      <p:cxnSp>
-        <p:nvCxnSpPr>
-          <p:cNvPr id="134" name="直接连接符 133"/>
-          <p:cNvCxnSpPr/>
-          <p:nvPr/>
-        </p:nvCxnSpPr>
-        <p:spPr>
-          <a:xfrm flipV="1">
-            <a:off x="1776730" y="3568700"/>
-            <a:ext cx="1049020" cy="373380"/>
-          </a:xfrm>
-          <a:prstGeom prst="line">
-            <a:avLst/>
-          </a:prstGeom>
-        </p:spPr>
-        <p:style>
-          <a:lnRef idx="1">
-            <a:schemeClr val="accent1"/>
-          </a:lnRef>
-          <a:fillRef idx="0">
-            <a:schemeClr val="accent1"/>
-          </a:fillRef>
-          <a:effectRef idx="0">
-            <a:schemeClr val="accent1"/>
-          </a:effectRef>
-          <a:fontRef idx="minor">
-            <a:schemeClr val="tx1"/>
-          </a:fontRef>
-        </p:style>
-      </p:cxnSp>
-      <p:cxnSp>
-        <p:nvCxnSpPr>
-          <p:cNvPr id="135" name="直接连接符 134"/>
-          <p:cNvCxnSpPr/>
-          <p:nvPr/>
-        </p:nvCxnSpPr>
-        <p:spPr>
+        </p:nvGrpSpPr>
+        <p:grpSpPr>
           <a:xfrm>
-            <a:off x="2355850" y="853440"/>
-            <a:ext cx="1116330" cy="365760"/>
-          </a:xfrm>
-          <a:prstGeom prst="line">
-            <a:avLst/>
-          </a:prstGeom>
-        </p:spPr>
-        <p:style>
-          <a:lnRef idx="1">
-            <a:schemeClr val="accent1"/>
-          </a:lnRef>
-          <a:fillRef idx="0">
-            <a:schemeClr val="accent1"/>
-          </a:fillRef>
-          <a:effectRef idx="0">
-            <a:schemeClr val="accent1"/>
-          </a:effectRef>
-          <a:fontRef idx="minor">
-            <a:schemeClr val="tx1"/>
-          </a:fontRef>
-        </p:style>
-      </p:cxnSp>
+            <a:off x="1707515" y="3222625"/>
+            <a:ext cx="806450" cy="963930"/>
+            <a:chOff x="2629" y="5075"/>
+            <a:chExt cx="1270" cy="1518"/>
+          </a:xfrm>
+        </p:grpSpPr>
+        <p:cxnSp>
+          <p:nvCxnSpPr>
+            <p:cNvPr id="118" name="直接连接符 117"/>
+            <p:cNvCxnSpPr>
+              <a:stCxn id="116" idx="3"/>
+            </p:cNvCxnSpPr>
+            <p:nvPr/>
+          </p:nvCxnSpPr>
+          <p:spPr>
+            <a:xfrm>
+              <a:off x="2887" y="5075"/>
+              <a:ext cx="1012" cy="592"/>
+            </a:xfrm>
+            <a:prstGeom prst="line">
+              <a:avLst/>
+            </a:prstGeom>
+          </p:spPr>
+          <p:style>
+            <a:lnRef idx="1">
+              <a:schemeClr val="accent1"/>
+            </a:lnRef>
+            <a:fillRef idx="0">
+              <a:schemeClr val="accent1"/>
+            </a:fillRef>
+            <a:effectRef idx="0">
+              <a:schemeClr val="accent1"/>
+            </a:effectRef>
+            <a:fontRef idx="minor">
+              <a:schemeClr val="tx1"/>
+            </a:fontRef>
+          </p:style>
+        </p:cxnSp>
+        <p:cxnSp>
+          <p:nvCxnSpPr>
+            <p:cNvPr id="133" name="直接连接符 132"/>
+            <p:cNvCxnSpPr/>
+            <p:nvPr/>
+          </p:nvCxnSpPr>
+          <p:spPr>
+            <a:xfrm flipV="1">
+              <a:off x="2629" y="5667"/>
+              <a:ext cx="1270" cy="926"/>
+            </a:xfrm>
+            <a:prstGeom prst="line">
+              <a:avLst/>
+            </a:prstGeom>
+          </p:spPr>
+          <p:style>
+            <a:lnRef idx="1">
+              <a:schemeClr val="accent1"/>
+            </a:lnRef>
+            <a:fillRef idx="0">
+              <a:schemeClr val="accent1"/>
+            </a:fillRef>
+            <a:effectRef idx="0">
+              <a:schemeClr val="accent1"/>
+            </a:effectRef>
+            <a:fontRef idx="minor">
+              <a:schemeClr val="tx1"/>
+            </a:fontRef>
+          </p:style>
+        </p:cxnSp>
+        <p:cxnSp>
+          <p:nvCxnSpPr>
+            <p:cNvPr id="134" name="直接连接符 133"/>
+            <p:cNvCxnSpPr>
+              <a:stCxn id="124" idx="3"/>
+            </p:cNvCxnSpPr>
+            <p:nvPr/>
+          </p:nvCxnSpPr>
+          <p:spPr>
+            <a:xfrm flipV="1">
+              <a:off x="2888" y="5667"/>
+              <a:ext cx="1011" cy="95"/>
+            </a:xfrm>
+            <a:prstGeom prst="line">
+              <a:avLst/>
+            </a:prstGeom>
+          </p:spPr>
+          <p:style>
+            <a:lnRef idx="1">
+              <a:schemeClr val="accent1"/>
+            </a:lnRef>
+            <a:fillRef idx="0">
+              <a:schemeClr val="accent1"/>
+            </a:fillRef>
+            <a:effectRef idx="0">
+              <a:schemeClr val="accent1"/>
+            </a:effectRef>
+            <a:fontRef idx="minor">
+              <a:schemeClr val="tx1"/>
+            </a:fontRef>
+          </p:style>
+        </p:cxnSp>
+      </p:grpSp>
       <p:grpSp>
         <p:nvGrpSpPr>
           <p:cNvPr id="143" name="组合 142"/>
@@ -7326,7 +7328,7 @@
         </p:nvGrpSpPr>
         <p:grpSpPr>
           <a:xfrm>
-            <a:off x="5015865" y="3308350"/>
+            <a:off x="4972685" y="3247390"/>
             <a:ext cx="1361440" cy="520700"/>
             <a:chOff x="7729" y="3777"/>
             <a:chExt cx="2144" cy="820"/>
@@ -7416,13 +7418,47 @@
       </p:grpSp>
       <p:cxnSp>
         <p:nvCxnSpPr>
+          <p:cNvPr id="142" name="直接箭头连接符 141"/>
+          <p:cNvCxnSpPr/>
+          <p:nvPr/>
+        </p:nvCxnSpPr>
+        <p:spPr>
+          <a:xfrm flipH="1" flipV="1">
+            <a:off x="3802380" y="3497580"/>
+            <a:ext cx="1453515" cy="6985"/>
+          </a:xfrm>
+          <a:prstGeom prst="straightConnector1">
+            <a:avLst/>
+          </a:prstGeom>
+          <a:ln>
+            <a:headEnd type="none" w="lg" len="lg"/>
+            <a:tailEnd type="triangle" w="lg" len="lg"/>
+          </a:ln>
+        </p:spPr>
+        <p:style>
+          <a:lnRef idx="1">
+            <a:schemeClr val="accent1"/>
+          </a:lnRef>
+          <a:fillRef idx="0">
+            <a:schemeClr val="accent1"/>
+          </a:fillRef>
+          <a:effectRef idx="0">
+            <a:schemeClr val="accent1"/>
+          </a:effectRef>
+          <a:fontRef idx="minor">
+            <a:schemeClr val="tx1"/>
+          </a:fontRef>
+        </p:style>
+      </p:cxnSp>
+      <p:cxnSp>
+        <p:nvCxnSpPr>
           <p:cNvPr id="138" name="直接箭头连接符 137"/>
           <p:cNvCxnSpPr/>
           <p:nvPr/>
         </p:nvCxnSpPr>
         <p:spPr>
           <a:xfrm flipH="1">
-            <a:off x="6727190" y="853440"/>
+            <a:off x="6363335" y="822325"/>
             <a:ext cx="1321435" cy="2682240"/>
           </a:xfrm>
           <a:prstGeom prst="straightConnector1">
@@ -7456,7 +7492,7 @@
         </p:nvCxnSpPr>
         <p:spPr>
           <a:xfrm flipH="1">
-            <a:off x="6692900" y="1757045"/>
+            <a:off x="6329045" y="1725930"/>
             <a:ext cx="1346835" cy="1791335"/>
           </a:xfrm>
           <a:prstGeom prst="straightConnector1">
@@ -7490,7 +7526,7 @@
         </p:nvCxnSpPr>
         <p:spPr>
           <a:xfrm flipH="1">
-            <a:off x="6692900" y="2642870"/>
+            <a:off x="6329045" y="2611755"/>
             <a:ext cx="1346835" cy="905510"/>
           </a:xfrm>
           <a:prstGeom prst="straightConnector1">
@@ -7524,7 +7560,7 @@
         </p:nvCxnSpPr>
         <p:spPr>
           <a:xfrm flipH="1" flipV="1">
-            <a:off x="6692900" y="3548380"/>
+            <a:off x="6329045" y="3517265"/>
             <a:ext cx="1337310" cy="19685"/>
           </a:xfrm>
           <a:prstGeom prst="straightConnector1">
@@ -7533,40 +7569,6 @@
           <a:ln>
             <a:headEnd type="none" w="lg" len="lg"/>
             <a:tailEnd type="none" w="lg" len="lg"/>
-          </a:ln>
-        </p:spPr>
-        <p:style>
-          <a:lnRef idx="1">
-            <a:schemeClr val="accent1"/>
-          </a:lnRef>
-          <a:fillRef idx="0">
-            <a:schemeClr val="accent1"/>
-          </a:fillRef>
-          <a:effectRef idx="0">
-            <a:schemeClr val="accent1"/>
-          </a:effectRef>
-          <a:fontRef idx="minor">
-            <a:schemeClr val="tx1"/>
-          </a:fontRef>
-        </p:style>
-      </p:cxnSp>
-      <p:cxnSp>
-        <p:nvCxnSpPr>
-          <p:cNvPr id="142" name="直接箭头连接符 141"/>
-          <p:cNvCxnSpPr/>
-          <p:nvPr/>
-        </p:nvCxnSpPr>
-        <p:spPr>
-          <a:xfrm flipH="1">
-            <a:off x="4117340" y="3548380"/>
-            <a:ext cx="1213485" cy="20320"/>
-          </a:xfrm>
-          <a:prstGeom prst="straightConnector1">
-            <a:avLst/>
-          </a:prstGeom>
-          <a:ln>
-            <a:headEnd type="none" w="lg" len="lg"/>
-            <a:tailEnd type="triangle" w="lg" len="lg"/>
           </a:ln>
         </p:spPr>
         <p:style>
@@ -7595,14 +7597,14 @@
           <p:nvPr/>
         </p:nvGraphicFramePr>
         <p:xfrm>
-          <a:off x="7499350" y="645795"/>
+          <a:off x="7450455" y="612775"/>
           <a:ext cx="215900" cy="270510"/>
         </p:xfrm>
         <a:graphic>
           <a:graphicData uri="http://schemas.openxmlformats.org/presentationml/2006/ole">
             <mc:AlternateContent xmlns:mc="http://schemas.openxmlformats.org/markup-compatibility/2006">
               <mc:Choice xmlns:v="urn:schemas-microsoft-com:vml" Requires="v">
-                <p:oleObj spid="_x0000_s1026" name="" r:id="rId3" imgW="101600" imgH="127000" progId="Equation.KSEE3">
+                <p:oleObj spid="_x0000_s2" name="" r:id="rId3" imgW="101600" imgH="127000" progId="Equation.KSEE3">
                   <p:embed/>
                 </p:oleObj>
               </mc:Choice>
@@ -7623,7 +7625,7 @@
                     </p:blipFill>
                     <p:spPr>
                       <a:xfrm>
-                        <a:off x="7499350" y="645795"/>
+                        <a:off x="7450455" y="612775"/>
                         <a:ext cx="215900" cy="270510"/>
                       </a:xfrm>
                       <a:prstGeom prst="rect">
@@ -7648,7 +7650,7 @@
           <p:nvPr/>
         </p:nvGraphicFramePr>
         <p:xfrm>
-          <a:off x="7499350" y="1610995"/>
+          <a:off x="7450455" y="1539875"/>
           <a:ext cx="215900" cy="270510"/>
         </p:xfrm>
         <a:graphic>
@@ -7676,7 +7678,7 @@
                     </p:blipFill>
                     <p:spPr>
                       <a:xfrm>
-                        <a:off x="7499350" y="1610995"/>
+                        <a:off x="7450455" y="1539875"/>
                         <a:ext cx="215900" cy="270510"/>
                       </a:xfrm>
                       <a:prstGeom prst="rect">
@@ -7701,7 +7703,7 @@
           <p:nvPr/>
         </p:nvGraphicFramePr>
         <p:xfrm>
-          <a:off x="7509510" y="2432685"/>
+          <a:off x="7450455" y="2414270"/>
           <a:ext cx="215900" cy="270510"/>
         </p:xfrm>
         <a:graphic>
@@ -7729,7 +7731,7 @@
                     </p:blipFill>
                     <p:spPr>
                       <a:xfrm>
-                        <a:off x="7509510" y="2432685"/>
+                        <a:off x="7450455" y="2414270"/>
                         <a:ext cx="215900" cy="270510"/>
                       </a:xfrm>
                       <a:prstGeom prst="rect">
@@ -7754,7 +7756,7 @@
           <p:nvPr/>
         </p:nvGraphicFramePr>
         <p:xfrm>
-          <a:off x="7499350" y="3295650"/>
+          <a:off x="7459980" y="3247390"/>
           <a:ext cx="215900" cy="270510"/>
         </p:xfrm>
         <a:graphic>
@@ -7782,7 +7784,7 @@
                     </p:blipFill>
                     <p:spPr>
                       <a:xfrm>
-                        <a:off x="7499350" y="3295650"/>
+                        <a:off x="7459980" y="3247390"/>
                         <a:ext cx="215900" cy="270510"/>
                       </a:xfrm>
                       <a:prstGeom prst="rect">
@@ -8092,7 +8094,7 @@
         </p:nvGrpSpPr>
         <p:grpSpPr>
           <a:xfrm>
-            <a:off x="3966210" y="378460"/>
+            <a:off x="3969385" y="204470"/>
             <a:ext cx="1156970" cy="389255"/>
             <a:chOff x="13313" y="311"/>
             <a:chExt cx="1822" cy="613"/>
@@ -8668,7 +8670,7 @@
         </p:nvGrpSpPr>
         <p:grpSpPr>
           <a:xfrm>
-            <a:off x="1038225" y="1106170"/>
+            <a:off x="182880" y="897255"/>
             <a:ext cx="1156335" cy="389255"/>
             <a:chOff x="13313" y="311"/>
             <a:chExt cx="1821" cy="613"/>
@@ -8764,7 +8766,7 @@
         </p:nvGrpSpPr>
         <p:grpSpPr>
           <a:xfrm>
-            <a:off x="1016635" y="1898650"/>
+            <a:off x="182880" y="1819910"/>
             <a:ext cx="1177925" cy="398780"/>
             <a:chOff x="13279" y="311"/>
             <a:chExt cx="1855" cy="628"/>
@@ -8855,13 +8857,16 @@
       <p:cxnSp>
         <p:nvCxnSpPr>
           <p:cNvPr id="186" name="直接连接符 185"/>
-          <p:cNvCxnSpPr/>
+          <p:cNvCxnSpPr>
+            <a:stCxn id="199" idx="6"/>
+            <a:endCxn id="9" idx="1"/>
+          </p:cNvCxnSpPr>
           <p:nvPr/>
         </p:nvCxnSpPr>
         <p:spPr>
-          <a:xfrm flipV="1">
-            <a:off x="2509520" y="1584960"/>
-            <a:ext cx="316230" cy="492760"/>
+          <a:xfrm>
+            <a:off x="1360805" y="1543685"/>
+            <a:ext cx="1149985" cy="61595"/>
           </a:xfrm>
           <a:prstGeom prst="line">
             <a:avLst/>
@@ -8912,216 +8917,171 @@
           </a:fontRef>
         </p:style>
       </p:cxnSp>
-      <p:cxnSp>
-        <p:nvCxnSpPr>
-          <p:cNvPr id="188" name="直接连接符 187"/>
-          <p:cNvCxnSpPr/>
+      <p:grpSp>
+        <p:nvGrpSpPr>
+          <p:cNvPr id="3" name="组合 2"/>
+          <p:cNvGrpSpPr/>
           <p:nvPr/>
-        </p:nvCxnSpPr>
-        <p:spPr>
-          <a:xfrm flipH="1">
-            <a:off x="3472180" y="592455"/>
-            <a:ext cx="139700" cy="626745"/>
-          </a:xfrm>
-          <a:prstGeom prst="line">
-            <a:avLst/>
-          </a:prstGeom>
-        </p:spPr>
-        <p:style>
-          <a:lnRef idx="1">
-            <a:schemeClr val="accent1"/>
-          </a:lnRef>
-          <a:fillRef idx="0">
-            <a:schemeClr val="accent1"/>
-          </a:fillRef>
-          <a:effectRef idx="0">
-            <a:schemeClr val="accent1"/>
-          </a:effectRef>
-          <a:fontRef idx="minor">
-            <a:schemeClr val="tx1"/>
-          </a:fontRef>
-        </p:style>
-      </p:cxnSp>
-      <p:cxnSp>
-        <p:nvCxnSpPr>
-          <p:cNvPr id="189" name="直接连接符 188"/>
-          <p:cNvCxnSpPr/>
-          <p:nvPr/>
-        </p:nvCxnSpPr>
-        <p:spPr>
-          <a:xfrm flipH="1">
-            <a:off x="3472180" y="747395"/>
-            <a:ext cx="1387475" cy="471805"/>
-          </a:xfrm>
-          <a:prstGeom prst="line">
-            <a:avLst/>
-          </a:prstGeom>
-        </p:spPr>
-        <p:style>
-          <a:lnRef idx="1">
-            <a:schemeClr val="accent1"/>
-          </a:lnRef>
-          <a:fillRef idx="0">
-            <a:schemeClr val="accent1"/>
-          </a:fillRef>
-          <a:effectRef idx="0">
-            <a:schemeClr val="accent1"/>
-          </a:effectRef>
-          <a:fontRef idx="minor">
-            <a:schemeClr val="tx1"/>
-          </a:fontRef>
-        </p:style>
-      </p:cxnSp>
-      <p:cxnSp>
-        <p:nvCxnSpPr>
-          <p:cNvPr id="190" name="直接连接符 189"/>
-          <p:cNvCxnSpPr/>
-          <p:nvPr/>
-        </p:nvCxnSpPr>
-        <p:spPr>
-          <a:xfrm flipV="1">
-            <a:off x="4117975" y="968375"/>
-            <a:ext cx="1083310" cy="616585"/>
-          </a:xfrm>
-          <a:prstGeom prst="line">
-            <a:avLst/>
-          </a:prstGeom>
-        </p:spPr>
-        <p:style>
-          <a:lnRef idx="1">
-            <a:schemeClr val="accent1"/>
-          </a:lnRef>
-          <a:fillRef idx="0">
-            <a:schemeClr val="accent1"/>
-          </a:fillRef>
-          <a:effectRef idx="0">
-            <a:schemeClr val="accent1"/>
-          </a:effectRef>
-          <a:fontRef idx="minor">
-            <a:schemeClr val="tx1"/>
-          </a:fontRef>
-        </p:style>
-      </p:cxnSp>
-      <p:cxnSp>
-        <p:nvCxnSpPr>
-          <p:cNvPr id="191" name="直接连接符 190"/>
-          <p:cNvCxnSpPr/>
-          <p:nvPr/>
-        </p:nvCxnSpPr>
-        <p:spPr>
-          <a:xfrm flipV="1">
-            <a:off x="4156710" y="1424305"/>
-            <a:ext cx="1043940" cy="180975"/>
-          </a:xfrm>
-          <a:prstGeom prst="line">
-            <a:avLst/>
-          </a:prstGeom>
-        </p:spPr>
-        <p:style>
-          <a:lnRef idx="1">
-            <a:schemeClr val="accent1"/>
-          </a:lnRef>
-          <a:fillRef idx="0">
-            <a:schemeClr val="accent1"/>
-          </a:fillRef>
-          <a:effectRef idx="0">
-            <a:schemeClr val="accent1"/>
-          </a:effectRef>
-          <a:fontRef idx="minor">
-            <a:schemeClr val="tx1"/>
-          </a:fontRef>
-        </p:style>
-      </p:cxnSp>
-      <p:cxnSp>
-        <p:nvCxnSpPr>
-          <p:cNvPr id="192" name="直接连接符 191"/>
-          <p:cNvCxnSpPr/>
-          <p:nvPr/>
-        </p:nvCxnSpPr>
-        <p:spPr>
+        </p:nvGrpSpPr>
+        <p:grpSpPr>
           <a:xfrm>
-            <a:off x="4117975" y="1584960"/>
-            <a:ext cx="1081405" cy="289560"/>
-          </a:xfrm>
-          <a:prstGeom prst="line">
-            <a:avLst/>
-          </a:prstGeom>
-        </p:spPr>
-        <p:style>
-          <a:lnRef idx="1">
-            <a:schemeClr val="accent1"/>
-          </a:lnRef>
-          <a:fillRef idx="0">
-            <a:schemeClr val="accent1"/>
-          </a:fillRef>
-          <a:effectRef idx="0">
-            <a:schemeClr val="accent1"/>
-          </a:effectRef>
-          <a:fontRef idx="minor">
-            <a:schemeClr val="tx1"/>
-          </a:fontRef>
-        </p:style>
-      </p:cxnSp>
-      <p:cxnSp>
-        <p:nvCxnSpPr>
-          <p:cNvPr id="193" name="直接连接符 192"/>
-          <p:cNvCxnSpPr/>
-          <p:nvPr/>
-        </p:nvCxnSpPr>
-        <p:spPr>
-          <a:xfrm>
-            <a:off x="4117975" y="1584960"/>
-            <a:ext cx="1083310" cy="721995"/>
-          </a:xfrm>
-          <a:prstGeom prst="line">
-            <a:avLst/>
-          </a:prstGeom>
-        </p:spPr>
-        <p:style>
-          <a:lnRef idx="1">
-            <a:schemeClr val="accent1"/>
-          </a:lnRef>
-          <a:fillRef idx="0">
-            <a:schemeClr val="accent1"/>
-          </a:fillRef>
-          <a:effectRef idx="0">
-            <a:schemeClr val="accent1"/>
-          </a:effectRef>
-          <a:fontRef idx="minor">
-            <a:schemeClr val="tx1"/>
-          </a:fontRef>
-        </p:style>
-      </p:cxnSp>
-      <p:cxnSp>
-        <p:nvCxnSpPr>
-          <p:cNvPr id="194" name="直接连接符 193"/>
-          <p:cNvCxnSpPr/>
-          <p:nvPr/>
-        </p:nvCxnSpPr>
-        <p:spPr>
-          <a:xfrm>
-            <a:off x="4117975" y="1584960"/>
-            <a:ext cx="1080770" cy="1162685"/>
-          </a:xfrm>
-          <a:prstGeom prst="line">
-            <a:avLst/>
-          </a:prstGeom>
-        </p:spPr>
-        <p:style>
-          <a:lnRef idx="1">
-            <a:schemeClr val="accent1"/>
-          </a:lnRef>
-          <a:fillRef idx="0">
-            <a:schemeClr val="accent1"/>
-          </a:fillRef>
-          <a:effectRef idx="0">
-            <a:schemeClr val="accent1"/>
-          </a:effectRef>
-          <a:fontRef idx="minor">
-            <a:schemeClr val="tx1"/>
-          </a:fontRef>
-        </p:style>
-      </p:cxnSp>
+            <a:off x="3804285" y="965200"/>
+            <a:ext cx="1083310" cy="1778635"/>
+            <a:chOff x="6485" y="1525"/>
+            <a:chExt cx="1706" cy="2801"/>
+          </a:xfrm>
+        </p:grpSpPr>
+        <p:cxnSp>
+          <p:nvCxnSpPr>
+            <p:cNvPr id="190" name="直接连接符 189"/>
+            <p:cNvCxnSpPr/>
+            <p:nvPr/>
+          </p:nvCxnSpPr>
+          <p:spPr>
+            <a:xfrm flipV="1">
+              <a:off x="6485" y="1525"/>
+              <a:ext cx="1706" cy="971"/>
+            </a:xfrm>
+            <a:prstGeom prst="line">
+              <a:avLst/>
+            </a:prstGeom>
+          </p:spPr>
+          <p:style>
+            <a:lnRef idx="1">
+              <a:schemeClr val="accent1"/>
+            </a:lnRef>
+            <a:fillRef idx="0">
+              <a:schemeClr val="accent1"/>
+            </a:fillRef>
+            <a:effectRef idx="0">
+              <a:schemeClr val="accent1"/>
+            </a:effectRef>
+            <a:fontRef idx="minor">
+              <a:schemeClr val="tx1"/>
+            </a:fontRef>
+          </p:style>
+        </p:cxnSp>
+        <p:cxnSp>
+          <p:nvCxnSpPr>
+            <p:cNvPr id="191" name="直接连接符 190"/>
+            <p:cNvCxnSpPr/>
+            <p:nvPr/>
+          </p:nvCxnSpPr>
+          <p:spPr>
+            <a:xfrm flipV="1">
+              <a:off x="6546" y="2243"/>
+              <a:ext cx="1644" cy="285"/>
+            </a:xfrm>
+            <a:prstGeom prst="line">
+              <a:avLst/>
+            </a:prstGeom>
+          </p:spPr>
+          <p:style>
+            <a:lnRef idx="1">
+              <a:schemeClr val="accent1"/>
+            </a:lnRef>
+            <a:fillRef idx="0">
+              <a:schemeClr val="accent1"/>
+            </a:fillRef>
+            <a:effectRef idx="0">
+              <a:schemeClr val="accent1"/>
+            </a:effectRef>
+            <a:fontRef idx="minor">
+              <a:schemeClr val="tx1"/>
+            </a:fontRef>
+          </p:style>
+        </p:cxnSp>
+        <p:cxnSp>
+          <p:nvCxnSpPr>
+            <p:cNvPr id="192" name="直接连接符 191"/>
+            <p:cNvCxnSpPr/>
+            <p:nvPr/>
+          </p:nvCxnSpPr>
+          <p:spPr>
+            <a:xfrm>
+              <a:off x="6485" y="2496"/>
+              <a:ext cx="1703" cy="456"/>
+            </a:xfrm>
+            <a:prstGeom prst="line">
+              <a:avLst/>
+            </a:prstGeom>
+          </p:spPr>
+          <p:style>
+            <a:lnRef idx="1">
+              <a:schemeClr val="accent1"/>
+            </a:lnRef>
+            <a:fillRef idx="0">
+              <a:schemeClr val="accent1"/>
+            </a:fillRef>
+            <a:effectRef idx="0">
+              <a:schemeClr val="accent1"/>
+            </a:effectRef>
+            <a:fontRef idx="minor">
+              <a:schemeClr val="tx1"/>
+            </a:fontRef>
+          </p:style>
+        </p:cxnSp>
+        <p:cxnSp>
+          <p:nvCxnSpPr>
+            <p:cNvPr id="193" name="直接连接符 192"/>
+            <p:cNvCxnSpPr/>
+            <p:nvPr/>
+          </p:nvCxnSpPr>
+          <p:spPr>
+            <a:xfrm>
+              <a:off x="6485" y="2496"/>
+              <a:ext cx="1706" cy="1137"/>
+            </a:xfrm>
+            <a:prstGeom prst="line">
+              <a:avLst/>
+            </a:prstGeom>
+          </p:spPr>
+          <p:style>
+            <a:lnRef idx="1">
+              <a:schemeClr val="accent1"/>
+            </a:lnRef>
+            <a:fillRef idx="0">
+              <a:schemeClr val="accent1"/>
+            </a:fillRef>
+            <a:effectRef idx="0">
+              <a:schemeClr val="accent1"/>
+            </a:effectRef>
+            <a:fontRef idx="minor">
+              <a:schemeClr val="tx1"/>
+            </a:fontRef>
+          </p:style>
+        </p:cxnSp>
+        <p:cxnSp>
+          <p:nvCxnSpPr>
+            <p:cNvPr id="194" name="直接连接符 193"/>
+            <p:cNvCxnSpPr/>
+            <p:nvPr/>
+          </p:nvCxnSpPr>
+          <p:spPr>
+            <a:xfrm>
+              <a:off x="6485" y="2496"/>
+              <a:ext cx="1702" cy="1831"/>
+            </a:xfrm>
+            <a:prstGeom prst="line">
+              <a:avLst/>
+            </a:prstGeom>
+          </p:spPr>
+          <p:style>
+            <a:lnRef idx="1">
+              <a:schemeClr val="accent1"/>
+            </a:lnRef>
+            <a:fillRef idx="0">
+              <a:schemeClr val="accent1"/>
+            </a:fillRef>
+            <a:effectRef idx="0">
+              <a:schemeClr val="accent1"/>
+            </a:effectRef>
+            <a:fontRef idx="minor">
+              <a:schemeClr val="tx1"/>
+            </a:fontRef>
+          </p:style>
+        </p:cxnSp>
+      </p:grpSp>
       <p:grpSp>
         <p:nvGrpSpPr>
           <p:cNvPr id="195" name="组合 194"/>
@@ -9130,7 +9090,7 @@
         </p:nvGrpSpPr>
         <p:grpSpPr>
           <a:xfrm>
-            <a:off x="325120" y="727075"/>
+            <a:off x="184785" y="223520"/>
             <a:ext cx="1245235" cy="398780"/>
             <a:chOff x="13279" y="311"/>
             <a:chExt cx="1961" cy="628"/>
@@ -9226,7 +9186,7 @@
         </p:nvGrpSpPr>
         <p:grpSpPr>
           <a:xfrm>
-            <a:off x="325120" y="1474470"/>
+            <a:off x="182880" y="1344295"/>
             <a:ext cx="1177925" cy="398780"/>
             <a:chOff x="13279" y="311"/>
             <a:chExt cx="1855" cy="628"/>
@@ -9316,14 +9276,110 @@
       </p:grpSp>
       <p:cxnSp>
         <p:nvCxnSpPr>
-          <p:cNvPr id="201" name="直接连接符 200"/>
+          <p:cNvPr id="135" name="直接连接符 134"/>
+          <p:cNvCxnSpPr>
+            <a:stCxn id="110" idx="2"/>
+          </p:cNvCxnSpPr>
+          <p:nvPr/>
+        </p:nvCxnSpPr>
+        <p:spPr>
+          <a:xfrm>
+            <a:off x="2038350" y="603250"/>
+            <a:ext cx="1020445" cy="626745"/>
+          </a:xfrm>
+          <a:prstGeom prst="line">
+            <a:avLst/>
+          </a:prstGeom>
+        </p:spPr>
+        <p:style>
+          <a:lnRef idx="1">
+            <a:schemeClr val="accent1"/>
+          </a:lnRef>
+          <a:fillRef idx="0">
+            <a:schemeClr val="accent1"/>
+          </a:fillRef>
+          <a:effectRef idx="0">
+            <a:schemeClr val="accent1"/>
+          </a:effectRef>
+          <a:fontRef idx="minor">
+            <a:schemeClr val="tx1"/>
+          </a:fontRef>
+        </p:style>
+      </p:cxnSp>
+      <p:cxnSp>
+        <p:nvCxnSpPr>
+          <p:cNvPr id="188" name="直接连接符 187"/>
           <p:cNvCxnSpPr/>
           <p:nvPr/>
         </p:nvCxnSpPr>
         <p:spPr>
+          <a:xfrm flipH="1">
+            <a:off x="3058795" y="603250"/>
+            <a:ext cx="139700" cy="626745"/>
+          </a:xfrm>
+          <a:prstGeom prst="line">
+            <a:avLst/>
+          </a:prstGeom>
+        </p:spPr>
+        <p:style>
+          <a:lnRef idx="1">
+            <a:schemeClr val="accent1"/>
+          </a:lnRef>
+          <a:fillRef idx="0">
+            <a:schemeClr val="accent1"/>
+          </a:fillRef>
+          <a:effectRef idx="0">
+            <a:schemeClr val="accent1"/>
+          </a:effectRef>
+          <a:fontRef idx="minor">
+            <a:schemeClr val="tx1"/>
+          </a:fontRef>
+        </p:style>
+      </p:cxnSp>
+      <p:cxnSp>
+        <p:nvCxnSpPr>
+          <p:cNvPr id="189" name="直接连接符 188"/>
+          <p:cNvCxnSpPr>
+            <a:stCxn id="163" idx="4"/>
+          </p:cNvCxnSpPr>
+          <p:nvPr/>
+        </p:nvCxnSpPr>
+        <p:spPr>
+          <a:xfrm flipH="1">
+            <a:off x="3058795" y="593725"/>
+            <a:ext cx="1489075" cy="636270"/>
+          </a:xfrm>
+          <a:prstGeom prst="line">
+            <a:avLst/>
+          </a:prstGeom>
+        </p:spPr>
+        <p:style>
+          <a:lnRef idx="1">
+            <a:schemeClr val="accent1"/>
+          </a:lnRef>
+          <a:fillRef idx="0">
+            <a:schemeClr val="accent1"/>
+          </a:fillRef>
+          <a:effectRef idx="0">
+            <a:schemeClr val="accent1"/>
+          </a:effectRef>
+          <a:fontRef idx="minor">
+            <a:schemeClr val="tx1"/>
+          </a:fontRef>
+        </p:style>
+      </p:cxnSp>
+      <p:cxnSp>
+        <p:nvCxnSpPr>
+          <p:cNvPr id="201" name="直接连接符 200"/>
+          <p:cNvCxnSpPr>
+            <a:stCxn id="197" idx="2"/>
+          </p:cNvCxnSpPr>
+          <p:nvPr/>
+        </p:nvCxnSpPr>
+        <p:spPr>
           <a:xfrm>
-            <a:off x="1885315" y="906145"/>
-            <a:ext cx="1590675" cy="302895"/>
+            <a:off x="807720" y="622300"/>
+            <a:ext cx="2254885" cy="597535"/>
           </a:xfrm>
           <a:prstGeom prst="line">
             <a:avLst/>
@@ -9347,13 +9403,15 @@
       <p:cxnSp>
         <p:nvCxnSpPr>
           <p:cNvPr id="202" name="直接连接符 201"/>
-          <p:cNvCxnSpPr/>
+          <p:cNvCxnSpPr>
+            <a:stCxn id="182" idx="3"/>
+          </p:cNvCxnSpPr>
           <p:nvPr/>
         </p:nvCxnSpPr>
         <p:spPr>
-          <a:xfrm flipV="1">
-            <a:off x="1776730" y="1584960"/>
-            <a:ext cx="1049020" cy="68580"/>
+          <a:xfrm>
+            <a:off x="1339215" y="1081405"/>
+            <a:ext cx="1171575" cy="503555"/>
           </a:xfrm>
           <a:prstGeom prst="line">
             <a:avLst/>
@@ -9578,7 +9636,7 @@
         </p:nvGrpSpPr>
         <p:grpSpPr>
           <a:xfrm>
-            <a:off x="10594975" y="5940425"/>
+            <a:off x="10596245" y="5900420"/>
             <a:ext cx="1156335" cy="379730"/>
             <a:chOff x="13313" y="326"/>
             <a:chExt cx="1821" cy="598"/>
@@ -9678,7 +9736,2119 @@
         <p:spPr>
           <a:xfrm flipH="1" flipV="1">
             <a:off x="8371205" y="5882640"/>
-            <a:ext cx="2224405" cy="248285"/>
+            <a:ext cx="2225675" cy="208280"/>
+          </a:xfrm>
+          <a:prstGeom prst="line">
+            <a:avLst/>
+          </a:prstGeom>
+        </p:spPr>
+        <p:style>
+          <a:lnRef idx="1">
+            <a:schemeClr val="accent1"/>
+          </a:lnRef>
+          <a:fillRef idx="0">
+            <a:schemeClr val="accent1"/>
+          </a:fillRef>
+          <a:effectRef idx="0">
+            <a:schemeClr val="accent1"/>
+          </a:effectRef>
+          <a:fontRef idx="minor">
+            <a:schemeClr val="tx1"/>
+          </a:fontRef>
+        </p:style>
+      </p:cxnSp>
+      <p:grpSp>
+        <p:nvGrpSpPr>
+          <p:cNvPr id="7" name="组合 6"/>
+          <p:cNvGrpSpPr/>
+          <p:nvPr/>
+        </p:nvGrpSpPr>
+        <p:grpSpPr>
+          <a:xfrm rot="0">
+            <a:off x="4745990" y="4218940"/>
+            <a:ext cx="1294765" cy="731520"/>
+            <a:chOff x="2242" y="1906"/>
+            <a:chExt cx="2039" cy="1152"/>
+          </a:xfrm>
+        </p:grpSpPr>
+        <p:sp>
+          <p:nvSpPr>
+            <p:cNvPr id="8" name="流程图: 过程 7"/>
+            <p:cNvSpPr/>
+            <p:nvPr/>
+          </p:nvSpPr>
+          <p:spPr>
+            <a:xfrm>
+              <a:off x="2242" y="1906"/>
+              <a:ext cx="2035" cy="1152"/>
+            </a:xfrm>
+            <a:prstGeom prst="flowChartProcess">
+              <a:avLst/>
+            </a:prstGeom>
+          </p:spPr>
+          <p:style>
+            <a:lnRef idx="2">
+              <a:schemeClr val="accent1">
+                <a:shade val="50000"/>
+              </a:schemeClr>
+            </a:lnRef>
+            <a:fillRef idx="1">
+              <a:schemeClr val="accent1"/>
+            </a:fillRef>
+            <a:effectRef idx="0">
+              <a:schemeClr val="accent1"/>
+            </a:effectRef>
+            <a:fontRef idx="minor">
+              <a:schemeClr val="lt1"/>
+            </a:fontRef>
+          </p:style>
+          <p:txBody>
+            <a:bodyPr rtlCol="0" anchor="ctr"/>
+            <a:p>
+              <a:pPr algn="ctr"/>
+              <a:endParaRPr lang="zh-CN" altLang="en-US"/>
+            </a:p>
+          </p:txBody>
+        </p:sp>
+        <p:sp>
+          <p:nvSpPr>
+            <p:cNvPr id="19" name="文本框 18"/>
+            <p:cNvSpPr txBox="1"/>
+            <p:nvPr/>
+          </p:nvSpPr>
+          <p:spPr>
+            <a:xfrm>
+              <a:off x="2247" y="2174"/>
+              <a:ext cx="2034" cy="725"/>
+            </a:xfrm>
+            <a:prstGeom prst="rect">
+              <a:avLst/>
+            </a:prstGeom>
+            <a:noFill/>
+          </p:spPr>
+          <p:txBody>
+            <a:bodyPr wrap="square" rtlCol="0">
+              <a:spAutoFit/>
+            </a:bodyPr>
+            <a:p>
+              <a:pPr algn="ctr"/>
+              <a:r>
+                <a:rPr lang="en-US" altLang="zh-CN" sz="2400" b="1">
+                  <a:solidFill>
+                    <a:schemeClr val="bg1"/>
+                  </a:solidFill>
+                  <a:latin typeface="Gray Design Medium" panose="02000500000000000000" charset="0"/>
+                  <a:cs typeface="Gray Design Medium" panose="02000500000000000000" charset="0"/>
+                </a:rPr>
+                <a:t>like</a:t>
+              </a:r>
+              <a:endParaRPr lang="en-US" altLang="zh-CN" sz="2400" b="1">
+                <a:solidFill>
+                  <a:schemeClr val="bg1"/>
+                </a:solidFill>
+                <a:latin typeface="Gray Design Medium" panose="02000500000000000000" charset="0"/>
+                <a:cs typeface="Gray Design Medium" panose="02000500000000000000" charset="0"/>
+              </a:endParaRPr>
+            </a:p>
+          </p:txBody>
+        </p:sp>
+      </p:grpSp>
+      <p:grpSp>
+        <p:nvGrpSpPr>
+          <p:cNvPr id="80" name="组合 79"/>
+          <p:cNvGrpSpPr/>
+          <p:nvPr/>
+        </p:nvGrpSpPr>
+        <p:grpSpPr>
+          <a:xfrm rot="0">
+            <a:off x="5014595" y="5122545"/>
+            <a:ext cx="1156335" cy="398780"/>
+            <a:chOff x="13313" y="311"/>
+            <a:chExt cx="1821" cy="628"/>
+          </a:xfrm>
+        </p:grpSpPr>
+        <p:sp>
+          <p:nvSpPr>
+            <p:cNvPr id="81" name="椭圆 80"/>
+            <p:cNvSpPr/>
+            <p:nvPr/>
+          </p:nvSpPr>
+          <p:spPr>
+            <a:xfrm>
+              <a:off x="13313" y="326"/>
+              <a:ext cx="1821" cy="598"/>
+            </a:xfrm>
+            <a:prstGeom prst="ellipse">
+              <a:avLst/>
+            </a:prstGeom>
+          </p:spPr>
+          <p:style>
+            <a:lnRef idx="2">
+              <a:schemeClr val="accent1">
+                <a:shade val="50000"/>
+              </a:schemeClr>
+            </a:lnRef>
+            <a:fillRef idx="1">
+              <a:schemeClr val="accent1"/>
+            </a:fillRef>
+            <a:effectRef idx="0">
+              <a:schemeClr val="accent1"/>
+            </a:effectRef>
+            <a:fontRef idx="minor">
+              <a:schemeClr val="lt1"/>
+            </a:fontRef>
+          </p:style>
+          <p:txBody>
+            <a:bodyPr rtlCol="0" anchor="ctr"/>
+            <a:p>
+              <a:pPr algn="ctr"/>
+              <a:endParaRPr lang="zh-CN" altLang="en-US"/>
+            </a:p>
+          </p:txBody>
+        </p:sp>
+        <p:sp>
+          <p:nvSpPr>
+            <p:cNvPr id="82" name="文本框 81"/>
+            <p:cNvSpPr txBox="1"/>
+            <p:nvPr/>
+          </p:nvSpPr>
+          <p:spPr>
+            <a:xfrm>
+              <a:off x="13314" y="311"/>
+              <a:ext cx="1819" cy="628"/>
+            </a:xfrm>
+            <a:prstGeom prst="rect">
+              <a:avLst/>
+            </a:prstGeom>
+            <a:noFill/>
+          </p:spPr>
+          <p:txBody>
+            <a:bodyPr wrap="square" rtlCol="0">
+              <a:spAutoFit/>
+            </a:bodyPr>
+            <a:p>
+              <a:pPr algn="ctr"/>
+              <a:r>
+                <a:rPr lang="en-US" altLang="zh-CN" sz="2000" b="1" u="sng">
+                  <a:solidFill>
+                    <a:schemeClr val="bg1"/>
+                  </a:solidFill>
+                  <a:latin typeface="Gray Design Medium" panose="02000500000000000000" charset="0"/>
+                  <a:cs typeface="Gray Design Medium" panose="02000500000000000000" charset="0"/>
+                </a:rPr>
+                <a:t>id</a:t>
+              </a:r>
+              <a:endParaRPr lang="en-US" altLang="zh-CN" sz="2000" b="1" u="sng">
+                <a:solidFill>
+                  <a:schemeClr val="bg1"/>
+                </a:solidFill>
+                <a:latin typeface="Gray Design Medium" panose="02000500000000000000" charset="0"/>
+                <a:cs typeface="Gray Design Medium" panose="02000500000000000000" charset="0"/>
+              </a:endParaRPr>
+            </a:p>
+          </p:txBody>
+        </p:sp>
+      </p:grpSp>
+      <p:grpSp>
+        <p:nvGrpSpPr>
+          <p:cNvPr id="86" name="组合 85"/>
+          <p:cNvGrpSpPr/>
+          <p:nvPr/>
+        </p:nvGrpSpPr>
+        <p:grpSpPr>
+          <a:xfrm rot="0">
+            <a:off x="3809365" y="5132070"/>
+            <a:ext cx="1156335" cy="398780"/>
+            <a:chOff x="13313" y="311"/>
+            <a:chExt cx="1821" cy="628"/>
+          </a:xfrm>
+        </p:grpSpPr>
+        <p:sp>
+          <p:nvSpPr>
+            <p:cNvPr id="87" name="椭圆 86"/>
+            <p:cNvSpPr/>
+            <p:nvPr/>
+          </p:nvSpPr>
+          <p:spPr>
+            <a:xfrm>
+              <a:off x="13313" y="326"/>
+              <a:ext cx="1821" cy="598"/>
+            </a:xfrm>
+            <a:prstGeom prst="ellipse">
+              <a:avLst/>
+            </a:prstGeom>
+          </p:spPr>
+          <p:style>
+            <a:lnRef idx="2">
+              <a:schemeClr val="accent1">
+                <a:shade val="50000"/>
+              </a:schemeClr>
+            </a:lnRef>
+            <a:fillRef idx="1">
+              <a:schemeClr val="accent1"/>
+            </a:fillRef>
+            <a:effectRef idx="0">
+              <a:schemeClr val="accent1"/>
+            </a:effectRef>
+            <a:fontRef idx="minor">
+              <a:schemeClr val="lt1"/>
+            </a:fontRef>
+          </p:style>
+          <p:txBody>
+            <a:bodyPr rtlCol="0" anchor="ctr"/>
+            <a:p>
+              <a:pPr algn="ctr"/>
+              <a:endParaRPr lang="zh-CN" altLang="en-US"/>
+            </a:p>
+          </p:txBody>
+        </p:sp>
+        <p:sp>
+          <p:nvSpPr>
+            <p:cNvPr id="88" name="文本框 87"/>
+            <p:cNvSpPr txBox="1"/>
+            <p:nvPr/>
+          </p:nvSpPr>
+          <p:spPr>
+            <a:xfrm>
+              <a:off x="13314" y="311"/>
+              <a:ext cx="1819" cy="628"/>
+            </a:xfrm>
+            <a:prstGeom prst="rect">
+              <a:avLst/>
+            </a:prstGeom>
+            <a:noFill/>
+          </p:spPr>
+          <p:txBody>
+            <a:bodyPr wrap="square" rtlCol="0">
+              <a:spAutoFit/>
+            </a:bodyPr>
+            <a:p>
+              <a:pPr algn="ctr"/>
+              <a:r>
+                <a:rPr lang="en-US" altLang="zh-CN" sz="2000" b="1">
+                  <a:solidFill>
+                    <a:schemeClr val="bg1"/>
+                  </a:solidFill>
+                  <a:latin typeface="Gray Design Medium" panose="02000500000000000000" charset="0"/>
+                  <a:cs typeface="Gray Design Medium" panose="02000500000000000000" charset="0"/>
+                </a:rPr>
+                <a:t>tut_id</a:t>
+              </a:r>
+              <a:endParaRPr lang="en-US" altLang="zh-CN" sz="2000" b="1">
+                <a:solidFill>
+                  <a:schemeClr val="bg1"/>
+                </a:solidFill>
+                <a:latin typeface="Gray Design Medium" panose="02000500000000000000" charset="0"/>
+                <a:cs typeface="Gray Design Medium" panose="02000500000000000000" charset="0"/>
+              </a:endParaRPr>
+            </a:p>
+          </p:txBody>
+        </p:sp>
+      </p:grpSp>
+      <p:grpSp>
+        <p:nvGrpSpPr>
+          <p:cNvPr id="107" name="组合 106"/>
+          <p:cNvGrpSpPr/>
+          <p:nvPr/>
+        </p:nvGrpSpPr>
+        <p:grpSpPr>
+          <a:xfrm rot="0">
+            <a:off x="3500120" y="4418965"/>
+            <a:ext cx="1156335" cy="398780"/>
+            <a:chOff x="13313" y="311"/>
+            <a:chExt cx="1821" cy="628"/>
+          </a:xfrm>
+        </p:grpSpPr>
+        <p:sp>
+          <p:nvSpPr>
+            <p:cNvPr id="147" name="椭圆 146"/>
+            <p:cNvSpPr/>
+            <p:nvPr/>
+          </p:nvSpPr>
+          <p:spPr>
+            <a:xfrm>
+              <a:off x="13313" y="326"/>
+              <a:ext cx="1821" cy="598"/>
+            </a:xfrm>
+            <a:prstGeom prst="ellipse">
+              <a:avLst/>
+            </a:prstGeom>
+          </p:spPr>
+          <p:style>
+            <a:lnRef idx="2">
+              <a:schemeClr val="accent1">
+                <a:shade val="50000"/>
+              </a:schemeClr>
+            </a:lnRef>
+            <a:fillRef idx="1">
+              <a:schemeClr val="accent1"/>
+            </a:fillRef>
+            <a:effectRef idx="0">
+              <a:schemeClr val="accent1"/>
+            </a:effectRef>
+            <a:fontRef idx="minor">
+              <a:schemeClr val="lt1"/>
+            </a:fontRef>
+          </p:style>
+          <p:txBody>
+            <a:bodyPr rtlCol="0" anchor="ctr"/>
+            <a:p>
+              <a:pPr algn="ctr"/>
+              <a:endParaRPr lang="zh-CN" altLang="en-US"/>
+            </a:p>
+          </p:txBody>
+        </p:sp>
+        <p:sp>
+          <p:nvSpPr>
+            <p:cNvPr id="148" name="文本框 147"/>
+            <p:cNvSpPr txBox="1"/>
+            <p:nvPr/>
+          </p:nvSpPr>
+          <p:spPr>
+            <a:xfrm>
+              <a:off x="13314" y="311"/>
+              <a:ext cx="1819" cy="628"/>
+            </a:xfrm>
+            <a:prstGeom prst="rect">
+              <a:avLst/>
+            </a:prstGeom>
+            <a:noFill/>
+          </p:spPr>
+          <p:txBody>
+            <a:bodyPr wrap="square" rtlCol="0">
+              <a:spAutoFit/>
+            </a:bodyPr>
+            <a:p>
+              <a:pPr algn="ctr"/>
+              <a:r>
+                <a:rPr lang="en-US" altLang="zh-CN" sz="2000" b="1">
+                  <a:solidFill>
+                    <a:schemeClr val="bg1"/>
+                  </a:solidFill>
+                  <a:latin typeface="Gray Design Medium" panose="02000500000000000000" charset="0"/>
+                  <a:cs typeface="Gray Design Medium" panose="02000500000000000000" charset="0"/>
+                </a:rPr>
+                <a:t>usr_id</a:t>
+              </a:r>
+              <a:endParaRPr lang="en-US" altLang="zh-CN" sz="2000" b="1">
+                <a:solidFill>
+                  <a:schemeClr val="bg1"/>
+                </a:solidFill>
+                <a:latin typeface="Gray Design Medium" panose="02000500000000000000" charset="0"/>
+                <a:cs typeface="Gray Design Medium" panose="02000500000000000000" charset="0"/>
+              </a:endParaRPr>
+            </a:p>
+          </p:txBody>
+        </p:sp>
+      </p:grpSp>
+      <p:cxnSp>
+        <p:nvCxnSpPr>
+          <p:cNvPr id="213" name="直接箭头连接符 212"/>
+          <p:cNvCxnSpPr>
+            <a:endCxn id="82" idx="0"/>
+          </p:cNvCxnSpPr>
+          <p:nvPr/>
+        </p:nvCxnSpPr>
+        <p:spPr>
+          <a:xfrm>
+            <a:off x="5405120" y="4968240"/>
+            <a:ext cx="187960" cy="154305"/>
+          </a:xfrm>
+          <a:prstGeom prst="straightConnector1">
+            <a:avLst/>
+          </a:prstGeom>
+          <a:ln>
+            <a:headEnd type="none" w="lg" len="lg"/>
+            <a:tailEnd type="none" w="lg" len="lg"/>
+          </a:ln>
+        </p:spPr>
+        <p:style>
+          <a:lnRef idx="1">
+            <a:schemeClr val="accent1"/>
+          </a:lnRef>
+          <a:fillRef idx="0">
+            <a:schemeClr val="accent1"/>
+          </a:fillRef>
+          <a:effectRef idx="0">
+            <a:schemeClr val="accent1"/>
+          </a:effectRef>
+          <a:fontRef idx="minor">
+            <a:schemeClr val="tx1"/>
+          </a:fontRef>
+        </p:style>
+      </p:cxnSp>
+      <p:cxnSp>
+        <p:nvCxnSpPr>
+          <p:cNvPr id="214" name="直接箭头连接符 213"/>
+          <p:cNvCxnSpPr>
+            <a:endCxn id="88" idx="0"/>
+          </p:cNvCxnSpPr>
+          <p:nvPr/>
+        </p:nvCxnSpPr>
+        <p:spPr>
+          <a:xfrm flipH="1">
+            <a:off x="4387850" y="4963160"/>
+            <a:ext cx="1007110" cy="168910"/>
+          </a:xfrm>
+          <a:prstGeom prst="straightConnector1">
+            <a:avLst/>
+          </a:prstGeom>
+          <a:ln>
+            <a:headEnd type="none" w="lg" len="lg"/>
+            <a:tailEnd type="none" w="lg" len="lg"/>
+          </a:ln>
+        </p:spPr>
+        <p:style>
+          <a:lnRef idx="1">
+            <a:schemeClr val="accent1"/>
+          </a:lnRef>
+          <a:fillRef idx="0">
+            <a:schemeClr val="accent1"/>
+          </a:fillRef>
+          <a:effectRef idx="0">
+            <a:schemeClr val="accent1"/>
+          </a:effectRef>
+          <a:fontRef idx="minor">
+            <a:schemeClr val="tx1"/>
+          </a:fontRef>
+        </p:style>
+      </p:cxnSp>
+      <p:cxnSp>
+        <p:nvCxnSpPr>
+          <p:cNvPr id="215" name="直接箭头连接符 214"/>
+          <p:cNvCxnSpPr>
+            <a:stCxn id="148" idx="3"/>
+            <a:endCxn id="19" idx="1"/>
+          </p:cNvCxnSpPr>
+          <p:nvPr/>
+        </p:nvCxnSpPr>
+        <p:spPr>
+          <a:xfrm>
+            <a:off x="4655820" y="4618355"/>
+            <a:ext cx="93345" cy="1270"/>
+          </a:xfrm>
+          <a:prstGeom prst="straightConnector1">
+            <a:avLst/>
+          </a:prstGeom>
+          <a:ln>
+            <a:headEnd type="none" w="lg" len="lg"/>
+            <a:tailEnd type="none" w="lg" len="lg"/>
+          </a:ln>
+        </p:spPr>
+        <p:style>
+          <a:lnRef idx="1">
+            <a:schemeClr val="accent1"/>
+          </a:lnRef>
+          <a:fillRef idx="0">
+            <a:schemeClr val="accent1"/>
+          </a:fillRef>
+          <a:effectRef idx="0">
+            <a:schemeClr val="accent1"/>
+          </a:effectRef>
+          <a:fontRef idx="minor">
+            <a:schemeClr val="tx1"/>
+          </a:fontRef>
+        </p:style>
+      </p:cxnSp>
+      <p:grpSp>
+        <p:nvGrpSpPr>
+          <p:cNvPr id="41" name="组合 40"/>
+          <p:cNvGrpSpPr/>
+          <p:nvPr/>
+        </p:nvGrpSpPr>
+        <p:grpSpPr>
+          <a:xfrm rot="0">
+            <a:off x="2332355" y="5586730"/>
+            <a:ext cx="1294765" cy="731520"/>
+            <a:chOff x="2242" y="1906"/>
+            <a:chExt cx="2039" cy="1152"/>
+          </a:xfrm>
+        </p:grpSpPr>
+        <p:sp>
+          <p:nvSpPr>
+            <p:cNvPr id="42" name="流程图: 过程 41"/>
+            <p:cNvSpPr/>
+            <p:nvPr/>
+          </p:nvSpPr>
+          <p:spPr>
+            <a:xfrm>
+              <a:off x="2242" y="1906"/>
+              <a:ext cx="2035" cy="1152"/>
+            </a:xfrm>
+            <a:prstGeom prst="flowChartProcess">
+              <a:avLst/>
+            </a:prstGeom>
+          </p:spPr>
+          <p:style>
+            <a:lnRef idx="2">
+              <a:schemeClr val="accent1">
+                <a:shade val="50000"/>
+              </a:schemeClr>
+            </a:lnRef>
+            <a:fillRef idx="1">
+              <a:schemeClr val="accent1"/>
+            </a:fillRef>
+            <a:effectRef idx="0">
+              <a:schemeClr val="accent1"/>
+            </a:effectRef>
+            <a:fontRef idx="minor">
+              <a:schemeClr val="lt1"/>
+            </a:fontRef>
+          </p:style>
+          <p:txBody>
+            <a:bodyPr rtlCol="0" anchor="ctr"/>
+            <a:p>
+              <a:pPr algn="ctr"/>
+              <a:endParaRPr lang="zh-CN" altLang="en-US"/>
+            </a:p>
+          </p:txBody>
+        </p:sp>
+        <p:sp>
+          <p:nvSpPr>
+            <p:cNvPr id="43" name="文本框 42"/>
+            <p:cNvSpPr txBox="1"/>
+            <p:nvPr/>
+          </p:nvSpPr>
+          <p:spPr>
+            <a:xfrm>
+              <a:off x="2247" y="2174"/>
+              <a:ext cx="2034" cy="725"/>
+            </a:xfrm>
+            <a:prstGeom prst="rect">
+              <a:avLst/>
+            </a:prstGeom>
+            <a:noFill/>
+          </p:spPr>
+          <p:txBody>
+            <a:bodyPr wrap="square" rtlCol="0">
+              <a:spAutoFit/>
+            </a:bodyPr>
+            <a:p>
+              <a:pPr algn="ctr"/>
+              <a:r>
+                <a:rPr lang="en-US" altLang="zh-CN" sz="2400" b="1">
+                  <a:solidFill>
+                    <a:schemeClr val="bg1"/>
+                  </a:solidFill>
+                  <a:latin typeface="Gray Design Medium" panose="02000500000000000000" charset="0"/>
+                  <a:cs typeface="Gray Design Medium" panose="02000500000000000000" charset="0"/>
+                </a:rPr>
+                <a:t>orders</a:t>
+              </a:r>
+              <a:endParaRPr lang="en-US" altLang="zh-CN" sz="2400" b="1">
+                <a:solidFill>
+                  <a:schemeClr val="bg1"/>
+                </a:solidFill>
+                <a:latin typeface="Gray Design Medium" panose="02000500000000000000" charset="0"/>
+                <a:cs typeface="Gray Design Medium" panose="02000500000000000000" charset="0"/>
+              </a:endParaRPr>
+            </a:p>
+          </p:txBody>
+        </p:sp>
+      </p:grpSp>
+      <p:grpSp>
+        <p:nvGrpSpPr>
+          <p:cNvPr id="216" name="组合 215"/>
+          <p:cNvGrpSpPr/>
+          <p:nvPr/>
+        </p:nvGrpSpPr>
+        <p:grpSpPr>
+          <a:xfrm rot="0">
+            <a:off x="2403475" y="4880610"/>
+            <a:ext cx="1156335" cy="398780"/>
+            <a:chOff x="13313" y="311"/>
+            <a:chExt cx="1821" cy="628"/>
+          </a:xfrm>
+        </p:grpSpPr>
+        <p:sp>
+          <p:nvSpPr>
+            <p:cNvPr id="217" name="椭圆 216"/>
+            <p:cNvSpPr/>
+            <p:nvPr/>
+          </p:nvSpPr>
+          <p:spPr>
+            <a:xfrm>
+              <a:off x="13313" y="326"/>
+              <a:ext cx="1821" cy="598"/>
+            </a:xfrm>
+            <a:prstGeom prst="ellipse">
+              <a:avLst/>
+            </a:prstGeom>
+          </p:spPr>
+          <p:style>
+            <a:lnRef idx="2">
+              <a:schemeClr val="accent1">
+                <a:shade val="50000"/>
+              </a:schemeClr>
+            </a:lnRef>
+            <a:fillRef idx="1">
+              <a:schemeClr val="accent1"/>
+            </a:fillRef>
+            <a:effectRef idx="0">
+              <a:schemeClr val="accent1"/>
+            </a:effectRef>
+            <a:fontRef idx="minor">
+              <a:schemeClr val="lt1"/>
+            </a:fontRef>
+          </p:style>
+          <p:txBody>
+            <a:bodyPr rtlCol="0" anchor="ctr"/>
+            <a:p>
+              <a:pPr algn="ctr"/>
+              <a:endParaRPr lang="zh-CN" altLang="en-US"/>
+            </a:p>
+          </p:txBody>
+        </p:sp>
+        <p:sp>
+          <p:nvSpPr>
+            <p:cNvPr id="218" name="文本框 217"/>
+            <p:cNvSpPr txBox="1"/>
+            <p:nvPr/>
+          </p:nvSpPr>
+          <p:spPr>
+            <a:xfrm>
+              <a:off x="13314" y="311"/>
+              <a:ext cx="1819" cy="628"/>
+            </a:xfrm>
+            <a:prstGeom prst="rect">
+              <a:avLst/>
+            </a:prstGeom>
+            <a:noFill/>
+          </p:spPr>
+          <p:txBody>
+            <a:bodyPr wrap="square" rtlCol="0">
+              <a:spAutoFit/>
+            </a:bodyPr>
+            <a:p>
+              <a:pPr algn="ctr"/>
+              <a:r>
+                <a:rPr lang="en-US" altLang="zh-CN" sz="2000" b="1" u="sng">
+                  <a:solidFill>
+                    <a:schemeClr val="bg1"/>
+                  </a:solidFill>
+                  <a:latin typeface="Gray Design Medium" panose="02000500000000000000" charset="0"/>
+                  <a:cs typeface="Gray Design Medium" panose="02000500000000000000" charset="0"/>
+                </a:rPr>
+                <a:t>id</a:t>
+              </a:r>
+              <a:endParaRPr lang="en-US" altLang="zh-CN" sz="2000" b="1" u="sng">
+                <a:solidFill>
+                  <a:schemeClr val="bg1"/>
+                </a:solidFill>
+                <a:latin typeface="Gray Design Medium" panose="02000500000000000000" charset="0"/>
+                <a:cs typeface="Gray Design Medium" panose="02000500000000000000" charset="0"/>
+              </a:endParaRPr>
+            </a:p>
+          </p:txBody>
+        </p:sp>
+      </p:grpSp>
+      <p:grpSp>
+        <p:nvGrpSpPr>
+          <p:cNvPr id="219" name="组合 218"/>
+          <p:cNvGrpSpPr/>
+          <p:nvPr/>
+        </p:nvGrpSpPr>
+        <p:grpSpPr>
+          <a:xfrm rot="0">
+            <a:off x="271145" y="4787265"/>
+            <a:ext cx="1156335" cy="398780"/>
+            <a:chOff x="13313" y="311"/>
+            <a:chExt cx="1821" cy="628"/>
+          </a:xfrm>
+        </p:grpSpPr>
+        <p:sp>
+          <p:nvSpPr>
+            <p:cNvPr id="220" name="椭圆 219"/>
+            <p:cNvSpPr/>
+            <p:nvPr/>
+          </p:nvSpPr>
+          <p:spPr>
+            <a:xfrm>
+              <a:off x="13313" y="326"/>
+              <a:ext cx="1821" cy="598"/>
+            </a:xfrm>
+            <a:prstGeom prst="ellipse">
+              <a:avLst/>
+            </a:prstGeom>
+          </p:spPr>
+          <p:style>
+            <a:lnRef idx="2">
+              <a:schemeClr val="accent1">
+                <a:shade val="50000"/>
+              </a:schemeClr>
+            </a:lnRef>
+            <a:fillRef idx="1">
+              <a:schemeClr val="accent1"/>
+            </a:fillRef>
+            <a:effectRef idx="0">
+              <a:schemeClr val="accent1"/>
+            </a:effectRef>
+            <a:fontRef idx="minor">
+              <a:schemeClr val="lt1"/>
+            </a:fontRef>
+          </p:style>
+          <p:txBody>
+            <a:bodyPr rtlCol="0" anchor="ctr"/>
+            <a:p>
+              <a:pPr algn="ctr"/>
+              <a:endParaRPr lang="zh-CN" altLang="en-US" u="sng"/>
+            </a:p>
+          </p:txBody>
+        </p:sp>
+        <p:sp>
+          <p:nvSpPr>
+            <p:cNvPr id="221" name="文本框 220"/>
+            <p:cNvSpPr txBox="1"/>
+            <p:nvPr/>
+          </p:nvSpPr>
+          <p:spPr>
+            <a:xfrm>
+              <a:off x="13314" y="311"/>
+              <a:ext cx="1819" cy="628"/>
+            </a:xfrm>
+            <a:prstGeom prst="rect">
+              <a:avLst/>
+            </a:prstGeom>
+            <a:noFill/>
+          </p:spPr>
+          <p:txBody>
+            <a:bodyPr wrap="square" rtlCol="0">
+              <a:spAutoFit/>
+            </a:bodyPr>
+            <a:p>
+              <a:pPr algn="ctr"/>
+              <a:r>
+                <a:rPr lang="en-US" altLang="zh-CN" sz="2000" b="1">
+                  <a:solidFill>
+                    <a:schemeClr val="bg1"/>
+                  </a:solidFill>
+                  <a:latin typeface="Gray Design Medium" panose="02000500000000000000" charset="0"/>
+                  <a:cs typeface="Gray Design Medium" panose="02000500000000000000" charset="0"/>
+                </a:rPr>
+                <a:t>seller_id</a:t>
+              </a:r>
+              <a:endParaRPr lang="en-US" altLang="zh-CN" sz="2000" b="1">
+                <a:solidFill>
+                  <a:schemeClr val="bg1"/>
+                </a:solidFill>
+                <a:latin typeface="Gray Design Medium" panose="02000500000000000000" charset="0"/>
+                <a:cs typeface="Gray Design Medium" panose="02000500000000000000" charset="0"/>
+              </a:endParaRPr>
+            </a:p>
+          </p:txBody>
+        </p:sp>
+      </p:grpSp>
+      <p:grpSp>
+        <p:nvGrpSpPr>
+          <p:cNvPr id="222" name="组合 221"/>
+          <p:cNvGrpSpPr/>
+          <p:nvPr/>
+        </p:nvGrpSpPr>
+        <p:grpSpPr>
+          <a:xfrm rot="0">
+            <a:off x="269875" y="5178425"/>
+            <a:ext cx="1156335" cy="398780"/>
+            <a:chOff x="13313" y="311"/>
+            <a:chExt cx="1821" cy="628"/>
+          </a:xfrm>
+        </p:grpSpPr>
+        <p:sp>
+          <p:nvSpPr>
+            <p:cNvPr id="223" name="椭圆 222"/>
+            <p:cNvSpPr/>
+            <p:nvPr/>
+          </p:nvSpPr>
+          <p:spPr>
+            <a:xfrm>
+              <a:off x="13313" y="326"/>
+              <a:ext cx="1821" cy="598"/>
+            </a:xfrm>
+            <a:prstGeom prst="ellipse">
+              <a:avLst/>
+            </a:prstGeom>
+          </p:spPr>
+          <p:style>
+            <a:lnRef idx="2">
+              <a:schemeClr val="accent1">
+                <a:shade val="50000"/>
+              </a:schemeClr>
+            </a:lnRef>
+            <a:fillRef idx="1">
+              <a:schemeClr val="accent1"/>
+            </a:fillRef>
+            <a:effectRef idx="0">
+              <a:schemeClr val="accent1"/>
+            </a:effectRef>
+            <a:fontRef idx="minor">
+              <a:schemeClr val="lt1"/>
+            </a:fontRef>
+          </p:style>
+          <p:txBody>
+            <a:bodyPr rtlCol="0" anchor="ctr"/>
+            <a:p>
+              <a:pPr algn="ctr"/>
+              <a:endParaRPr lang="zh-CN" altLang="en-US" u="sng"/>
+            </a:p>
+          </p:txBody>
+        </p:sp>
+        <p:sp>
+          <p:nvSpPr>
+            <p:cNvPr id="224" name="文本框 223"/>
+            <p:cNvSpPr txBox="1"/>
+            <p:nvPr/>
+          </p:nvSpPr>
+          <p:spPr>
+            <a:xfrm>
+              <a:off x="13314" y="311"/>
+              <a:ext cx="1819" cy="628"/>
+            </a:xfrm>
+            <a:prstGeom prst="rect">
+              <a:avLst/>
+            </a:prstGeom>
+            <a:noFill/>
+          </p:spPr>
+          <p:txBody>
+            <a:bodyPr wrap="square" rtlCol="0">
+              <a:spAutoFit/>
+            </a:bodyPr>
+            <a:p>
+              <a:pPr algn="ctr"/>
+              <a:r>
+                <a:rPr lang="en-US" altLang="zh-CN" sz="2000" b="1">
+                  <a:solidFill>
+                    <a:schemeClr val="bg1"/>
+                  </a:solidFill>
+                  <a:latin typeface="Gray Design Medium" panose="02000500000000000000" charset="0"/>
+                  <a:cs typeface="Gray Design Medium" panose="02000500000000000000" charset="0"/>
+                </a:rPr>
+                <a:t>buyer_id</a:t>
+              </a:r>
+              <a:endParaRPr lang="en-US" altLang="zh-CN" sz="2000" b="1">
+                <a:solidFill>
+                  <a:schemeClr val="bg1"/>
+                </a:solidFill>
+                <a:latin typeface="Gray Design Medium" panose="02000500000000000000" charset="0"/>
+                <a:cs typeface="Gray Design Medium" panose="02000500000000000000" charset="0"/>
+              </a:endParaRPr>
+            </a:p>
+          </p:txBody>
+        </p:sp>
+      </p:grpSp>
+      <p:grpSp>
+        <p:nvGrpSpPr>
+          <p:cNvPr id="225" name="组合 224"/>
+          <p:cNvGrpSpPr/>
+          <p:nvPr/>
+        </p:nvGrpSpPr>
+        <p:grpSpPr>
+          <a:xfrm rot="0">
+            <a:off x="273685" y="5567680"/>
+            <a:ext cx="1156335" cy="398780"/>
+            <a:chOff x="13313" y="311"/>
+            <a:chExt cx="1821" cy="628"/>
+          </a:xfrm>
+        </p:grpSpPr>
+        <p:sp>
+          <p:nvSpPr>
+            <p:cNvPr id="226" name="椭圆 225"/>
+            <p:cNvSpPr/>
+            <p:nvPr/>
+          </p:nvSpPr>
+          <p:spPr>
+            <a:xfrm>
+              <a:off x="13313" y="326"/>
+              <a:ext cx="1821" cy="598"/>
+            </a:xfrm>
+            <a:prstGeom prst="ellipse">
+              <a:avLst/>
+            </a:prstGeom>
+          </p:spPr>
+          <p:style>
+            <a:lnRef idx="2">
+              <a:schemeClr val="accent1">
+                <a:shade val="50000"/>
+              </a:schemeClr>
+            </a:lnRef>
+            <a:fillRef idx="1">
+              <a:schemeClr val="accent1"/>
+            </a:fillRef>
+            <a:effectRef idx="0">
+              <a:schemeClr val="accent1"/>
+            </a:effectRef>
+            <a:fontRef idx="minor">
+              <a:schemeClr val="lt1"/>
+            </a:fontRef>
+          </p:style>
+          <p:txBody>
+            <a:bodyPr rtlCol="0" anchor="ctr"/>
+            <a:p>
+              <a:pPr algn="ctr"/>
+              <a:endParaRPr lang="zh-CN" altLang="en-US"/>
+            </a:p>
+          </p:txBody>
+        </p:sp>
+        <p:sp>
+          <p:nvSpPr>
+            <p:cNvPr id="227" name="文本框 226"/>
+            <p:cNvSpPr txBox="1"/>
+            <p:nvPr/>
+          </p:nvSpPr>
+          <p:spPr>
+            <a:xfrm>
+              <a:off x="13314" y="311"/>
+              <a:ext cx="1819" cy="628"/>
+            </a:xfrm>
+            <a:prstGeom prst="rect">
+              <a:avLst/>
+            </a:prstGeom>
+            <a:noFill/>
+          </p:spPr>
+          <p:txBody>
+            <a:bodyPr wrap="square" rtlCol="0">
+              <a:spAutoFit/>
+            </a:bodyPr>
+            <a:p>
+              <a:pPr algn="ctr"/>
+              <a:r>
+                <a:rPr lang="en-US" altLang="zh-CN" sz="2000" b="1">
+                  <a:solidFill>
+                    <a:schemeClr val="bg1"/>
+                  </a:solidFill>
+                  <a:latin typeface="Gray Design Medium" panose="02000500000000000000" charset="0"/>
+                  <a:cs typeface="Gray Design Medium" panose="02000500000000000000" charset="0"/>
+                </a:rPr>
+                <a:t>tut_id</a:t>
+              </a:r>
+              <a:endParaRPr lang="en-US" altLang="zh-CN" sz="2000" b="1">
+                <a:solidFill>
+                  <a:schemeClr val="bg1"/>
+                </a:solidFill>
+                <a:latin typeface="Gray Design Medium" panose="02000500000000000000" charset="0"/>
+                <a:cs typeface="Gray Design Medium" panose="02000500000000000000" charset="0"/>
+              </a:endParaRPr>
+            </a:p>
+          </p:txBody>
+        </p:sp>
+      </p:grpSp>
+      <p:grpSp>
+        <p:nvGrpSpPr>
+          <p:cNvPr id="228" name="组合 227"/>
+          <p:cNvGrpSpPr/>
+          <p:nvPr/>
+        </p:nvGrpSpPr>
+        <p:grpSpPr>
+          <a:xfrm rot="0">
+            <a:off x="272415" y="6334125"/>
+            <a:ext cx="1156335" cy="398780"/>
+            <a:chOff x="13313" y="311"/>
+            <a:chExt cx="1821" cy="628"/>
+          </a:xfrm>
+        </p:grpSpPr>
+        <p:sp>
+          <p:nvSpPr>
+            <p:cNvPr id="229" name="椭圆 228"/>
+            <p:cNvSpPr/>
+            <p:nvPr/>
+          </p:nvSpPr>
+          <p:spPr>
+            <a:xfrm>
+              <a:off x="13313" y="326"/>
+              <a:ext cx="1821" cy="598"/>
+            </a:xfrm>
+            <a:prstGeom prst="ellipse">
+              <a:avLst/>
+            </a:prstGeom>
+          </p:spPr>
+          <p:style>
+            <a:lnRef idx="2">
+              <a:schemeClr val="accent1">
+                <a:shade val="50000"/>
+              </a:schemeClr>
+            </a:lnRef>
+            <a:fillRef idx="1">
+              <a:schemeClr val="accent1"/>
+            </a:fillRef>
+            <a:effectRef idx="0">
+              <a:schemeClr val="accent1"/>
+            </a:effectRef>
+            <a:fontRef idx="minor">
+              <a:schemeClr val="lt1"/>
+            </a:fontRef>
+          </p:style>
+          <p:txBody>
+            <a:bodyPr rtlCol="0" anchor="ctr"/>
+            <a:p>
+              <a:pPr algn="ctr"/>
+              <a:endParaRPr lang="zh-CN" altLang="en-US"/>
+            </a:p>
+          </p:txBody>
+        </p:sp>
+        <p:sp>
+          <p:nvSpPr>
+            <p:cNvPr id="230" name="文本框 229"/>
+            <p:cNvSpPr txBox="1"/>
+            <p:nvPr/>
+          </p:nvSpPr>
+          <p:spPr>
+            <a:xfrm>
+              <a:off x="13314" y="311"/>
+              <a:ext cx="1819" cy="628"/>
+            </a:xfrm>
+            <a:prstGeom prst="rect">
+              <a:avLst/>
+            </a:prstGeom>
+            <a:noFill/>
+          </p:spPr>
+          <p:txBody>
+            <a:bodyPr wrap="square" rtlCol="0">
+              <a:spAutoFit/>
+            </a:bodyPr>
+            <a:p>
+              <a:pPr algn="ctr"/>
+              <a:r>
+                <a:rPr lang="en-US" altLang="zh-CN" sz="2000" b="1">
+                  <a:solidFill>
+                    <a:schemeClr val="bg1"/>
+                  </a:solidFill>
+                  <a:latin typeface="Gray Design Medium" panose="02000500000000000000" charset="0"/>
+                  <a:cs typeface="Gray Design Medium" panose="02000500000000000000" charset="0"/>
+                </a:rPr>
+                <a:t>num</a:t>
+              </a:r>
+              <a:endParaRPr lang="en-US" altLang="zh-CN" sz="2000" b="1">
+                <a:solidFill>
+                  <a:schemeClr val="bg1"/>
+                </a:solidFill>
+                <a:latin typeface="Gray Design Medium" panose="02000500000000000000" charset="0"/>
+                <a:cs typeface="Gray Design Medium" panose="02000500000000000000" charset="0"/>
+              </a:endParaRPr>
+            </a:p>
+          </p:txBody>
+        </p:sp>
+      </p:grpSp>
+      <p:grpSp>
+        <p:nvGrpSpPr>
+          <p:cNvPr id="231" name="组合 230"/>
+          <p:cNvGrpSpPr/>
+          <p:nvPr/>
+        </p:nvGrpSpPr>
+        <p:grpSpPr>
+          <a:xfrm rot="0">
+            <a:off x="273050" y="5944870"/>
+            <a:ext cx="1156335" cy="398780"/>
+            <a:chOff x="13313" y="311"/>
+            <a:chExt cx="1821" cy="628"/>
+          </a:xfrm>
+        </p:grpSpPr>
+        <p:sp>
+          <p:nvSpPr>
+            <p:cNvPr id="232" name="椭圆 231"/>
+            <p:cNvSpPr/>
+            <p:nvPr/>
+          </p:nvSpPr>
+          <p:spPr>
+            <a:xfrm>
+              <a:off x="13313" y="326"/>
+              <a:ext cx="1821" cy="598"/>
+            </a:xfrm>
+            <a:prstGeom prst="ellipse">
+              <a:avLst/>
+            </a:prstGeom>
+          </p:spPr>
+          <p:style>
+            <a:lnRef idx="2">
+              <a:schemeClr val="accent1">
+                <a:shade val="50000"/>
+              </a:schemeClr>
+            </a:lnRef>
+            <a:fillRef idx="1">
+              <a:schemeClr val="accent1"/>
+            </a:fillRef>
+            <a:effectRef idx="0">
+              <a:schemeClr val="accent1"/>
+            </a:effectRef>
+            <a:fontRef idx="minor">
+              <a:schemeClr val="lt1"/>
+            </a:fontRef>
+          </p:style>
+          <p:txBody>
+            <a:bodyPr rtlCol="0" anchor="ctr"/>
+            <a:p>
+              <a:pPr algn="ctr"/>
+              <a:endParaRPr lang="zh-CN" altLang="en-US"/>
+            </a:p>
+          </p:txBody>
+        </p:sp>
+        <p:sp>
+          <p:nvSpPr>
+            <p:cNvPr id="233" name="文本框 232"/>
+            <p:cNvSpPr txBox="1"/>
+            <p:nvPr/>
+          </p:nvSpPr>
+          <p:spPr>
+            <a:xfrm>
+              <a:off x="13314" y="311"/>
+              <a:ext cx="1819" cy="628"/>
+            </a:xfrm>
+            <a:prstGeom prst="rect">
+              <a:avLst/>
+            </a:prstGeom>
+            <a:noFill/>
+          </p:spPr>
+          <p:txBody>
+            <a:bodyPr wrap="square" rtlCol="0">
+              <a:spAutoFit/>
+            </a:bodyPr>
+            <a:p>
+              <a:pPr algn="ctr"/>
+              <a:r>
+                <a:rPr lang="en-US" altLang="zh-CN" sz="2000" b="1">
+                  <a:solidFill>
+                    <a:schemeClr val="bg1"/>
+                  </a:solidFill>
+                  <a:latin typeface="Gray Design Medium" panose="02000500000000000000" charset="0"/>
+                  <a:cs typeface="Gray Design Medium" panose="02000500000000000000" charset="0"/>
+                </a:rPr>
+                <a:t>price</a:t>
+              </a:r>
+              <a:endParaRPr lang="en-US" altLang="zh-CN" sz="2000" b="1">
+                <a:solidFill>
+                  <a:schemeClr val="bg1"/>
+                </a:solidFill>
+                <a:latin typeface="Gray Design Medium" panose="02000500000000000000" charset="0"/>
+                <a:cs typeface="Gray Design Medium" panose="02000500000000000000" charset="0"/>
+              </a:endParaRPr>
+            </a:p>
+          </p:txBody>
+        </p:sp>
+      </p:grpSp>
+      <p:grpSp>
+        <p:nvGrpSpPr>
+          <p:cNvPr id="234" name="组合 233"/>
+          <p:cNvGrpSpPr/>
+          <p:nvPr/>
+        </p:nvGrpSpPr>
+        <p:grpSpPr>
+          <a:xfrm rot="0">
+            <a:off x="3969385" y="5876290"/>
+            <a:ext cx="1156335" cy="398780"/>
+            <a:chOff x="13313" y="311"/>
+            <a:chExt cx="1821" cy="628"/>
+          </a:xfrm>
+        </p:grpSpPr>
+        <p:sp>
+          <p:nvSpPr>
+            <p:cNvPr id="235" name="椭圆 234"/>
+            <p:cNvSpPr/>
+            <p:nvPr/>
+          </p:nvSpPr>
+          <p:spPr>
+            <a:xfrm>
+              <a:off x="13313" y="326"/>
+              <a:ext cx="1821" cy="598"/>
+            </a:xfrm>
+            <a:prstGeom prst="ellipse">
+              <a:avLst/>
+            </a:prstGeom>
+          </p:spPr>
+          <p:style>
+            <a:lnRef idx="2">
+              <a:schemeClr val="accent1">
+                <a:shade val="50000"/>
+              </a:schemeClr>
+            </a:lnRef>
+            <a:fillRef idx="1">
+              <a:schemeClr val="accent1"/>
+            </a:fillRef>
+            <a:effectRef idx="0">
+              <a:schemeClr val="accent1"/>
+            </a:effectRef>
+            <a:fontRef idx="minor">
+              <a:schemeClr val="lt1"/>
+            </a:fontRef>
+          </p:style>
+          <p:txBody>
+            <a:bodyPr rtlCol="0" anchor="ctr"/>
+            <a:p>
+              <a:pPr algn="ctr"/>
+              <a:endParaRPr lang="zh-CN" altLang="en-US"/>
+            </a:p>
+          </p:txBody>
+        </p:sp>
+        <p:sp>
+          <p:nvSpPr>
+            <p:cNvPr id="236" name="文本框 235"/>
+            <p:cNvSpPr txBox="1"/>
+            <p:nvPr/>
+          </p:nvSpPr>
+          <p:spPr>
+            <a:xfrm>
+              <a:off x="13314" y="311"/>
+              <a:ext cx="1819" cy="628"/>
+            </a:xfrm>
+            <a:prstGeom prst="rect">
+              <a:avLst/>
+            </a:prstGeom>
+            <a:noFill/>
+          </p:spPr>
+          <p:txBody>
+            <a:bodyPr wrap="square" rtlCol="0">
+              <a:spAutoFit/>
+            </a:bodyPr>
+            <a:p>
+              <a:pPr algn="ctr"/>
+              <a:r>
+                <a:rPr lang="en-US" altLang="zh-CN" sz="2000" b="1">
+                  <a:solidFill>
+                    <a:schemeClr val="bg1"/>
+                  </a:solidFill>
+                  <a:latin typeface="Gray Design Medium" panose="02000500000000000000" charset="0"/>
+                  <a:cs typeface="Gray Design Medium" panose="02000500000000000000" charset="0"/>
+                </a:rPr>
+                <a:t>status</a:t>
+              </a:r>
+              <a:endParaRPr lang="en-US" altLang="zh-CN" sz="2000" b="1">
+                <a:solidFill>
+                  <a:schemeClr val="bg1"/>
+                </a:solidFill>
+                <a:latin typeface="Gray Design Medium" panose="02000500000000000000" charset="0"/>
+                <a:cs typeface="Gray Design Medium" panose="02000500000000000000" charset="0"/>
+              </a:endParaRPr>
+            </a:p>
+          </p:txBody>
+        </p:sp>
+      </p:grpSp>
+      <p:grpSp>
+        <p:nvGrpSpPr>
+          <p:cNvPr id="237" name="组合 236"/>
+          <p:cNvGrpSpPr/>
+          <p:nvPr/>
+        </p:nvGrpSpPr>
+        <p:grpSpPr>
+          <a:xfrm rot="0">
+            <a:off x="1502410" y="6342380"/>
+            <a:ext cx="1156335" cy="398780"/>
+            <a:chOff x="13313" y="311"/>
+            <a:chExt cx="1821" cy="628"/>
+          </a:xfrm>
+        </p:grpSpPr>
+        <p:sp>
+          <p:nvSpPr>
+            <p:cNvPr id="238" name="椭圆 237"/>
+            <p:cNvSpPr/>
+            <p:nvPr/>
+          </p:nvSpPr>
+          <p:spPr>
+            <a:xfrm>
+              <a:off x="13313" y="326"/>
+              <a:ext cx="1821" cy="598"/>
+            </a:xfrm>
+            <a:prstGeom prst="ellipse">
+              <a:avLst/>
+            </a:prstGeom>
+          </p:spPr>
+          <p:style>
+            <a:lnRef idx="2">
+              <a:schemeClr val="accent1">
+                <a:shade val="50000"/>
+              </a:schemeClr>
+            </a:lnRef>
+            <a:fillRef idx="1">
+              <a:schemeClr val="accent1"/>
+            </a:fillRef>
+            <a:effectRef idx="0">
+              <a:schemeClr val="accent1"/>
+            </a:effectRef>
+            <a:fontRef idx="minor">
+              <a:schemeClr val="lt1"/>
+            </a:fontRef>
+          </p:style>
+          <p:txBody>
+            <a:bodyPr rtlCol="0" anchor="ctr"/>
+            <a:p>
+              <a:pPr algn="ctr"/>
+              <a:endParaRPr lang="zh-CN" altLang="en-US"/>
+            </a:p>
+          </p:txBody>
+        </p:sp>
+        <p:sp>
+          <p:nvSpPr>
+            <p:cNvPr id="239" name="文本框 238"/>
+            <p:cNvSpPr txBox="1"/>
+            <p:nvPr/>
+          </p:nvSpPr>
+          <p:spPr>
+            <a:xfrm>
+              <a:off x="13314" y="311"/>
+              <a:ext cx="1819" cy="628"/>
+            </a:xfrm>
+            <a:prstGeom prst="rect">
+              <a:avLst/>
+            </a:prstGeom>
+            <a:noFill/>
+          </p:spPr>
+          <p:txBody>
+            <a:bodyPr wrap="square" rtlCol="0">
+              <a:spAutoFit/>
+            </a:bodyPr>
+            <a:p>
+              <a:pPr algn="ctr"/>
+              <a:r>
+                <a:rPr lang="en-US" altLang="zh-CN" sz="2000" b="1">
+                  <a:solidFill>
+                    <a:schemeClr val="bg1"/>
+                  </a:solidFill>
+                  <a:latin typeface="Gray Design Medium" panose="02000500000000000000" charset="0"/>
+                  <a:cs typeface="Gray Design Medium" panose="02000500000000000000" charset="0"/>
+                </a:rPr>
+                <a:t>tel.</a:t>
+              </a:r>
+              <a:endParaRPr lang="en-US" altLang="zh-CN" sz="2000" b="1">
+                <a:solidFill>
+                  <a:schemeClr val="bg1"/>
+                </a:solidFill>
+                <a:latin typeface="Gray Design Medium" panose="02000500000000000000" charset="0"/>
+                <a:cs typeface="Gray Design Medium" panose="02000500000000000000" charset="0"/>
+              </a:endParaRPr>
+            </a:p>
+          </p:txBody>
+        </p:sp>
+      </p:grpSp>
+      <p:grpSp>
+        <p:nvGrpSpPr>
+          <p:cNvPr id="240" name="组合 239"/>
+          <p:cNvGrpSpPr/>
+          <p:nvPr/>
+        </p:nvGrpSpPr>
+        <p:grpSpPr>
+          <a:xfrm rot="0">
+            <a:off x="3968750" y="6336665"/>
+            <a:ext cx="1156335" cy="398780"/>
+            <a:chOff x="13313" y="311"/>
+            <a:chExt cx="1821" cy="628"/>
+          </a:xfrm>
+        </p:grpSpPr>
+        <p:sp>
+          <p:nvSpPr>
+            <p:cNvPr id="241" name="椭圆 240"/>
+            <p:cNvSpPr/>
+            <p:nvPr/>
+          </p:nvSpPr>
+          <p:spPr>
+            <a:xfrm>
+              <a:off x="13313" y="326"/>
+              <a:ext cx="1821" cy="598"/>
+            </a:xfrm>
+            <a:prstGeom prst="ellipse">
+              <a:avLst/>
+            </a:prstGeom>
+          </p:spPr>
+          <p:style>
+            <a:lnRef idx="2">
+              <a:schemeClr val="accent1">
+                <a:shade val="50000"/>
+              </a:schemeClr>
+            </a:lnRef>
+            <a:fillRef idx="1">
+              <a:schemeClr val="accent1"/>
+            </a:fillRef>
+            <a:effectRef idx="0">
+              <a:schemeClr val="accent1"/>
+            </a:effectRef>
+            <a:fontRef idx="minor">
+              <a:schemeClr val="lt1"/>
+            </a:fontRef>
+          </p:style>
+          <p:txBody>
+            <a:bodyPr rtlCol="0" anchor="ctr"/>
+            <a:p>
+              <a:pPr algn="ctr"/>
+              <a:endParaRPr lang="zh-CN" altLang="en-US"/>
+            </a:p>
+          </p:txBody>
+        </p:sp>
+        <p:sp>
+          <p:nvSpPr>
+            <p:cNvPr id="242" name="文本框 241"/>
+            <p:cNvSpPr txBox="1"/>
+            <p:nvPr/>
+          </p:nvSpPr>
+          <p:spPr>
+            <a:xfrm>
+              <a:off x="13314" y="311"/>
+              <a:ext cx="1819" cy="628"/>
+            </a:xfrm>
+            <a:prstGeom prst="rect">
+              <a:avLst/>
+            </a:prstGeom>
+            <a:noFill/>
+          </p:spPr>
+          <p:txBody>
+            <a:bodyPr wrap="square" rtlCol="0">
+              <a:spAutoFit/>
+            </a:bodyPr>
+            <a:p>
+              <a:pPr algn="ctr"/>
+              <a:r>
+                <a:rPr lang="en-US" altLang="zh-CN" sz="2000" b="1">
+                  <a:solidFill>
+                    <a:schemeClr val="bg1"/>
+                  </a:solidFill>
+                  <a:latin typeface="Gray Design Medium" panose="02000500000000000000" charset="0"/>
+                  <a:cs typeface="Gray Design Medium" panose="02000500000000000000" charset="0"/>
+                </a:rPr>
+                <a:t>name</a:t>
+              </a:r>
+              <a:endParaRPr lang="en-US" altLang="zh-CN" sz="2000" b="1">
+                <a:solidFill>
+                  <a:schemeClr val="bg1"/>
+                </a:solidFill>
+                <a:latin typeface="Gray Design Medium" panose="02000500000000000000" charset="0"/>
+                <a:cs typeface="Gray Design Medium" panose="02000500000000000000" charset="0"/>
+              </a:endParaRPr>
+            </a:p>
+          </p:txBody>
+        </p:sp>
+      </p:grpSp>
+      <p:grpSp>
+        <p:nvGrpSpPr>
+          <p:cNvPr id="243" name="组合 242"/>
+          <p:cNvGrpSpPr/>
+          <p:nvPr/>
+        </p:nvGrpSpPr>
+        <p:grpSpPr>
+          <a:xfrm rot="0">
+            <a:off x="2719070" y="6342380"/>
+            <a:ext cx="1156335" cy="398780"/>
+            <a:chOff x="13313" y="311"/>
+            <a:chExt cx="1821" cy="628"/>
+          </a:xfrm>
+        </p:grpSpPr>
+        <p:sp>
+          <p:nvSpPr>
+            <p:cNvPr id="244" name="椭圆 243"/>
+            <p:cNvSpPr/>
+            <p:nvPr/>
+          </p:nvSpPr>
+          <p:spPr>
+            <a:xfrm>
+              <a:off x="13313" y="326"/>
+              <a:ext cx="1821" cy="598"/>
+            </a:xfrm>
+            <a:prstGeom prst="ellipse">
+              <a:avLst/>
+            </a:prstGeom>
+          </p:spPr>
+          <p:style>
+            <a:lnRef idx="2">
+              <a:schemeClr val="accent1">
+                <a:shade val="50000"/>
+              </a:schemeClr>
+            </a:lnRef>
+            <a:fillRef idx="1">
+              <a:schemeClr val="accent1"/>
+            </a:fillRef>
+            <a:effectRef idx="0">
+              <a:schemeClr val="accent1"/>
+            </a:effectRef>
+            <a:fontRef idx="minor">
+              <a:schemeClr val="lt1"/>
+            </a:fontRef>
+          </p:style>
+          <p:txBody>
+            <a:bodyPr rtlCol="0" anchor="ctr"/>
+            <a:p>
+              <a:pPr algn="ctr"/>
+              <a:endParaRPr lang="zh-CN" altLang="en-US"/>
+            </a:p>
+          </p:txBody>
+        </p:sp>
+        <p:sp>
+          <p:nvSpPr>
+            <p:cNvPr id="245" name="文本框 244"/>
+            <p:cNvSpPr txBox="1"/>
+            <p:nvPr/>
+          </p:nvSpPr>
+          <p:spPr>
+            <a:xfrm>
+              <a:off x="13314" y="311"/>
+              <a:ext cx="1819" cy="628"/>
+            </a:xfrm>
+            <a:prstGeom prst="rect">
+              <a:avLst/>
+            </a:prstGeom>
+            <a:noFill/>
+          </p:spPr>
+          <p:txBody>
+            <a:bodyPr wrap="square" rtlCol="0">
+              <a:spAutoFit/>
+            </a:bodyPr>
+            <a:p>
+              <a:pPr algn="ctr"/>
+              <a:r>
+                <a:rPr lang="en-US" altLang="zh-CN" sz="2000" b="1">
+                  <a:solidFill>
+                    <a:schemeClr val="bg1"/>
+                  </a:solidFill>
+                  <a:latin typeface="Gray Design Medium" panose="02000500000000000000" charset="0"/>
+                  <a:cs typeface="Gray Design Medium" panose="02000500000000000000" charset="0"/>
+                </a:rPr>
+                <a:t>address</a:t>
+              </a:r>
+              <a:endParaRPr lang="en-US" altLang="zh-CN" sz="2000" b="1">
+                <a:solidFill>
+                  <a:schemeClr val="bg1"/>
+                </a:solidFill>
+                <a:latin typeface="Gray Design Medium" panose="02000500000000000000" charset="0"/>
+                <a:cs typeface="Gray Design Medium" panose="02000500000000000000" charset="0"/>
+              </a:endParaRPr>
+            </a:p>
+          </p:txBody>
+        </p:sp>
+      </p:grpSp>
+      <p:grpSp>
+        <p:nvGrpSpPr>
+          <p:cNvPr id="249" name="组合 248"/>
+          <p:cNvGrpSpPr/>
+          <p:nvPr/>
+        </p:nvGrpSpPr>
+        <p:grpSpPr>
+          <a:xfrm>
+            <a:off x="6213475" y="4297680"/>
+            <a:ext cx="1362075" cy="520700"/>
+            <a:chOff x="7729" y="3777"/>
+            <a:chExt cx="2145" cy="820"/>
+          </a:xfrm>
+        </p:grpSpPr>
+        <p:sp>
+          <p:nvSpPr>
+            <p:cNvPr id="250" name="流程图: 决策 249"/>
+            <p:cNvSpPr/>
+            <p:nvPr/>
+          </p:nvSpPr>
+          <p:spPr>
+            <a:xfrm>
+              <a:off x="7729" y="3777"/>
+              <a:ext cx="2145" cy="820"/>
+            </a:xfrm>
+            <a:prstGeom prst="flowChartDecision">
+              <a:avLst/>
+            </a:prstGeom>
+          </p:spPr>
+          <p:style>
+            <a:lnRef idx="2">
+              <a:schemeClr val="accent1">
+                <a:shade val="50000"/>
+              </a:schemeClr>
+            </a:lnRef>
+            <a:fillRef idx="1">
+              <a:schemeClr val="accent1"/>
+            </a:fillRef>
+            <a:effectRef idx="0">
+              <a:schemeClr val="accent1"/>
+            </a:effectRef>
+            <a:fontRef idx="minor">
+              <a:schemeClr val="lt1"/>
+            </a:fontRef>
+          </p:style>
+          <p:txBody>
+            <a:bodyPr rtlCol="0" anchor="ctr"/>
+            <a:p>
+              <a:pPr algn="ctr"/>
+              <a:endParaRPr lang="zh-CN" altLang="en-US"/>
+            </a:p>
+          </p:txBody>
+        </p:sp>
+        <p:sp>
+          <p:nvSpPr>
+            <p:cNvPr id="251" name="文本框 250"/>
+            <p:cNvSpPr txBox="1"/>
+            <p:nvPr/>
+          </p:nvSpPr>
+          <p:spPr>
+            <a:xfrm>
+              <a:off x="7892" y="3982"/>
+              <a:ext cx="1819" cy="483"/>
+            </a:xfrm>
+            <a:prstGeom prst="rect">
+              <a:avLst/>
+            </a:prstGeom>
+            <a:noFill/>
+          </p:spPr>
+          <p:txBody>
+            <a:bodyPr wrap="square" rtlCol="0">
+              <a:spAutoFit/>
+            </a:bodyPr>
+            <a:p>
+              <a:pPr algn="ctr"/>
+              <a:r>
+                <a:rPr lang="en-US" altLang="zh-CN" sz="1400" b="1">
+                  <a:solidFill>
+                    <a:schemeClr val="bg1"/>
+                  </a:solidFill>
+                  <a:latin typeface="Gray Design Medium" panose="02000500000000000000" charset="0"/>
+                  <a:cs typeface="Gray Design Medium" panose="02000500000000000000" charset="0"/>
+                </a:rPr>
+                <a:t>correspond</a:t>
+              </a:r>
+              <a:endParaRPr lang="en-US" altLang="zh-CN" sz="1400" b="1">
+                <a:solidFill>
+                  <a:schemeClr val="bg1"/>
+                </a:solidFill>
+                <a:latin typeface="Gray Design Medium" panose="02000500000000000000" charset="0"/>
+                <a:cs typeface="Gray Design Medium" panose="02000500000000000000" charset="0"/>
+              </a:endParaRPr>
+            </a:p>
+          </p:txBody>
+        </p:sp>
+      </p:grpSp>
+      <p:cxnSp>
+        <p:nvCxnSpPr>
+          <p:cNvPr id="253" name="直接箭头连接符 252"/>
+          <p:cNvCxnSpPr>
+            <a:endCxn id="250" idx="0"/>
+          </p:cNvCxnSpPr>
+          <p:nvPr/>
+        </p:nvCxnSpPr>
+        <p:spPr>
+          <a:xfrm flipH="1">
+            <a:off x="6894830" y="3615690"/>
+            <a:ext cx="820420" cy="681990"/>
+          </a:xfrm>
+          <a:prstGeom prst="straightConnector1">
+            <a:avLst/>
+          </a:prstGeom>
+          <a:ln>
+            <a:headEnd type="triangle" w="lg" len="lg"/>
+            <a:tailEnd type="none" w="lg" len="lg"/>
+          </a:ln>
+        </p:spPr>
+        <p:style>
+          <a:lnRef idx="1">
+            <a:schemeClr val="accent1"/>
+          </a:lnRef>
+          <a:fillRef idx="0">
+            <a:schemeClr val="accent1"/>
+          </a:fillRef>
+          <a:effectRef idx="0">
+            <a:schemeClr val="accent1"/>
+          </a:effectRef>
+          <a:fontRef idx="minor">
+            <a:schemeClr val="tx1"/>
+          </a:fontRef>
+        </p:style>
+      </p:cxnSp>
+      <p:cxnSp>
+        <p:nvCxnSpPr>
+          <p:cNvPr id="254" name="直接箭头连接符 253"/>
+          <p:cNvCxnSpPr/>
+          <p:nvPr/>
+        </p:nvCxnSpPr>
+        <p:spPr>
+          <a:xfrm>
+            <a:off x="6028690" y="4555490"/>
+            <a:ext cx="184785" cy="1905"/>
+          </a:xfrm>
+          <a:prstGeom prst="straightConnector1">
+            <a:avLst/>
+          </a:prstGeom>
+          <a:ln>
+            <a:headEnd type="triangle" w="lg" len="lg"/>
+            <a:tailEnd type="none" w="lg" len="lg"/>
+          </a:ln>
+        </p:spPr>
+        <p:style>
+          <a:lnRef idx="1">
+            <a:schemeClr val="accent1"/>
+          </a:lnRef>
+          <a:fillRef idx="0">
+            <a:schemeClr val="accent1"/>
+          </a:fillRef>
+          <a:effectRef idx="0">
+            <a:schemeClr val="accent1"/>
+          </a:effectRef>
+          <a:fontRef idx="minor">
+            <a:schemeClr val="tx1"/>
+          </a:fontRef>
+        </p:style>
+      </p:cxnSp>
+      <p:cxnSp>
+        <p:nvCxnSpPr>
+          <p:cNvPr id="255" name="直接箭头连接符 254"/>
+          <p:cNvCxnSpPr>
+            <a:stCxn id="42" idx="0"/>
+            <a:endCxn id="218" idx="2"/>
+          </p:cNvCxnSpPr>
+          <p:nvPr/>
+        </p:nvCxnSpPr>
+        <p:spPr>
+          <a:xfrm flipV="1">
+            <a:off x="2978785" y="5279390"/>
+            <a:ext cx="3175" cy="307340"/>
+          </a:xfrm>
+          <a:prstGeom prst="straightConnector1">
+            <a:avLst/>
+          </a:prstGeom>
+          <a:ln>
+            <a:headEnd type="none" w="lg" len="lg"/>
+            <a:tailEnd type="none" w="lg" len="lg"/>
+          </a:ln>
+        </p:spPr>
+        <p:style>
+          <a:lnRef idx="1">
+            <a:schemeClr val="accent1"/>
+          </a:lnRef>
+          <a:fillRef idx="0">
+            <a:schemeClr val="accent1"/>
+          </a:fillRef>
+          <a:effectRef idx="0">
+            <a:schemeClr val="accent1"/>
+          </a:effectRef>
+          <a:fontRef idx="minor">
+            <a:schemeClr val="tx1"/>
+          </a:fontRef>
+        </p:style>
+      </p:cxnSp>
+      <p:cxnSp>
+        <p:nvCxnSpPr>
+          <p:cNvPr id="256" name="直接箭头连接符 255"/>
+          <p:cNvCxnSpPr>
+            <a:stCxn id="43" idx="1"/>
+            <a:endCxn id="221" idx="3"/>
+          </p:cNvCxnSpPr>
+          <p:nvPr/>
+        </p:nvCxnSpPr>
+        <p:spPr>
+          <a:xfrm flipH="1" flipV="1">
+            <a:off x="1426845" y="4986655"/>
+            <a:ext cx="908685" cy="1000760"/>
+          </a:xfrm>
+          <a:prstGeom prst="straightConnector1">
+            <a:avLst/>
+          </a:prstGeom>
+          <a:ln>
+            <a:headEnd type="none" w="lg" len="lg"/>
+            <a:tailEnd type="none" w="lg" len="lg"/>
+          </a:ln>
+        </p:spPr>
+        <p:style>
+          <a:lnRef idx="1">
+            <a:schemeClr val="accent1"/>
+          </a:lnRef>
+          <a:fillRef idx="0">
+            <a:schemeClr val="accent1"/>
+          </a:fillRef>
+          <a:effectRef idx="0">
+            <a:schemeClr val="accent1"/>
+          </a:effectRef>
+          <a:fontRef idx="minor">
+            <a:schemeClr val="tx1"/>
+          </a:fontRef>
+        </p:style>
+      </p:cxnSp>
+      <p:cxnSp>
+        <p:nvCxnSpPr>
+          <p:cNvPr id="257" name="直接箭头连接符 256"/>
+          <p:cNvCxnSpPr>
+            <a:endCxn id="224" idx="3"/>
+          </p:cNvCxnSpPr>
+          <p:nvPr/>
+        </p:nvCxnSpPr>
+        <p:spPr>
+          <a:xfrm flipH="1" flipV="1">
+            <a:off x="1425575" y="5377815"/>
+            <a:ext cx="902335" cy="601345"/>
+          </a:xfrm>
+          <a:prstGeom prst="straightConnector1">
+            <a:avLst/>
+          </a:prstGeom>
+          <a:ln>
+            <a:headEnd type="none" w="lg" len="lg"/>
+            <a:tailEnd type="none" w="lg" len="lg"/>
+          </a:ln>
+        </p:spPr>
+        <p:style>
+          <a:lnRef idx="1">
+            <a:schemeClr val="accent1"/>
+          </a:lnRef>
+          <a:fillRef idx="0">
+            <a:schemeClr val="accent1"/>
+          </a:fillRef>
+          <a:effectRef idx="0">
+            <a:schemeClr val="accent1"/>
+          </a:effectRef>
+          <a:fontRef idx="minor">
+            <a:schemeClr val="tx1"/>
+          </a:fontRef>
+        </p:style>
+      </p:cxnSp>
+      <p:cxnSp>
+        <p:nvCxnSpPr>
+          <p:cNvPr id="258" name="直接箭头连接符 257"/>
+          <p:cNvCxnSpPr>
+            <a:stCxn id="43" idx="1"/>
+            <a:endCxn id="227" idx="3"/>
+          </p:cNvCxnSpPr>
+          <p:nvPr/>
+        </p:nvCxnSpPr>
+        <p:spPr>
+          <a:xfrm flipH="1" flipV="1">
+            <a:off x="1429385" y="5767070"/>
+            <a:ext cx="906145" cy="220345"/>
+          </a:xfrm>
+          <a:prstGeom prst="straightConnector1">
+            <a:avLst/>
+          </a:prstGeom>
+          <a:ln>
+            <a:headEnd type="none" w="lg" len="lg"/>
+            <a:tailEnd type="none" w="lg" len="lg"/>
+          </a:ln>
+        </p:spPr>
+        <p:style>
+          <a:lnRef idx="1">
+            <a:schemeClr val="accent1"/>
+          </a:lnRef>
+          <a:fillRef idx="0">
+            <a:schemeClr val="accent1"/>
+          </a:fillRef>
+          <a:effectRef idx="0">
+            <a:schemeClr val="accent1"/>
+          </a:effectRef>
+          <a:fontRef idx="minor">
+            <a:schemeClr val="tx1"/>
+          </a:fontRef>
+        </p:style>
+      </p:cxnSp>
+      <p:cxnSp>
+        <p:nvCxnSpPr>
+          <p:cNvPr id="259" name="直接箭头连接符 258"/>
+          <p:cNvCxnSpPr>
+            <a:stCxn id="43" idx="1"/>
+            <a:endCxn id="233" idx="3"/>
+          </p:cNvCxnSpPr>
+          <p:nvPr/>
+        </p:nvCxnSpPr>
+        <p:spPr>
+          <a:xfrm flipH="1">
+            <a:off x="1428750" y="5987415"/>
+            <a:ext cx="906780" cy="156845"/>
+          </a:xfrm>
+          <a:prstGeom prst="straightConnector1">
+            <a:avLst/>
+          </a:prstGeom>
+          <a:ln>
+            <a:headEnd type="none" w="lg" len="lg"/>
+            <a:tailEnd type="none" w="lg" len="lg"/>
+          </a:ln>
+        </p:spPr>
+        <p:style>
+          <a:lnRef idx="1">
+            <a:schemeClr val="accent1"/>
+          </a:lnRef>
+          <a:fillRef idx="0">
+            <a:schemeClr val="accent1"/>
+          </a:fillRef>
+          <a:effectRef idx="0">
+            <a:schemeClr val="accent1"/>
+          </a:effectRef>
+          <a:fontRef idx="minor">
+            <a:schemeClr val="tx1"/>
+          </a:fontRef>
+        </p:style>
+      </p:cxnSp>
+      <p:cxnSp>
+        <p:nvCxnSpPr>
+          <p:cNvPr id="260" name="直接箭头连接符 259"/>
+          <p:cNvCxnSpPr>
+            <a:endCxn id="230" idx="3"/>
+          </p:cNvCxnSpPr>
+          <p:nvPr/>
+        </p:nvCxnSpPr>
+        <p:spPr>
+          <a:xfrm flipH="1">
+            <a:off x="1428115" y="5979160"/>
+            <a:ext cx="894080" cy="554355"/>
+          </a:xfrm>
+          <a:prstGeom prst="straightConnector1">
+            <a:avLst/>
+          </a:prstGeom>
+          <a:ln>
+            <a:headEnd type="none" w="lg" len="lg"/>
+            <a:tailEnd type="none" w="lg" len="lg"/>
+          </a:ln>
+        </p:spPr>
+        <p:style>
+          <a:lnRef idx="1">
+            <a:schemeClr val="accent1"/>
+          </a:lnRef>
+          <a:fillRef idx="0">
+            <a:schemeClr val="accent1"/>
+          </a:fillRef>
+          <a:effectRef idx="0">
+            <a:schemeClr val="accent1"/>
+          </a:effectRef>
+          <a:fontRef idx="minor">
+            <a:schemeClr val="tx1"/>
+          </a:fontRef>
+        </p:style>
+      </p:cxnSp>
+      <p:cxnSp>
+        <p:nvCxnSpPr>
+          <p:cNvPr id="261" name="直接箭头连接符 260"/>
+          <p:cNvCxnSpPr>
+            <a:endCxn id="239" idx="0"/>
+          </p:cNvCxnSpPr>
+          <p:nvPr/>
+        </p:nvCxnSpPr>
+        <p:spPr>
+          <a:xfrm flipH="1">
+            <a:off x="2080895" y="5979160"/>
+            <a:ext cx="253365" cy="363220"/>
+          </a:xfrm>
+          <a:prstGeom prst="straightConnector1">
+            <a:avLst/>
+          </a:prstGeom>
+          <a:ln>
+            <a:headEnd type="none" w="lg" len="lg"/>
+            <a:tailEnd type="none" w="lg" len="lg"/>
+          </a:ln>
+        </p:spPr>
+        <p:style>
+          <a:lnRef idx="1">
+            <a:schemeClr val="accent1"/>
+          </a:lnRef>
+          <a:fillRef idx="0">
+            <a:schemeClr val="accent1"/>
+          </a:fillRef>
+          <a:effectRef idx="0">
+            <a:schemeClr val="accent1"/>
+          </a:effectRef>
+          <a:fontRef idx="minor">
+            <a:schemeClr val="tx1"/>
+          </a:fontRef>
+        </p:style>
+      </p:cxnSp>
+      <p:cxnSp>
+        <p:nvCxnSpPr>
+          <p:cNvPr id="262" name="直接箭头连接符 261"/>
+          <p:cNvCxnSpPr>
+            <a:endCxn id="245" idx="0"/>
+          </p:cNvCxnSpPr>
+          <p:nvPr/>
+        </p:nvCxnSpPr>
+        <p:spPr>
+          <a:xfrm>
+            <a:off x="2992755" y="6326505"/>
+            <a:ext cx="304800" cy="15875"/>
+          </a:xfrm>
+          <a:prstGeom prst="straightConnector1">
+            <a:avLst/>
+          </a:prstGeom>
+          <a:ln>
+            <a:headEnd type="none" w="lg" len="lg"/>
+            <a:tailEnd type="none" w="lg" len="lg"/>
+          </a:ln>
+        </p:spPr>
+        <p:style>
+          <a:lnRef idx="1">
+            <a:schemeClr val="accent1"/>
+          </a:lnRef>
+          <a:fillRef idx="0">
+            <a:schemeClr val="accent1"/>
+          </a:fillRef>
+          <a:effectRef idx="0">
+            <a:schemeClr val="accent1"/>
+          </a:effectRef>
+          <a:fontRef idx="minor">
+            <a:schemeClr val="tx1"/>
+          </a:fontRef>
+        </p:style>
+      </p:cxnSp>
+      <p:cxnSp>
+        <p:nvCxnSpPr>
+          <p:cNvPr id="263" name="直接箭头连接符 262"/>
+          <p:cNvCxnSpPr>
+            <a:stCxn id="43" idx="3"/>
+            <a:endCxn id="236" idx="1"/>
+          </p:cNvCxnSpPr>
+          <p:nvPr/>
+        </p:nvCxnSpPr>
+        <p:spPr>
+          <a:xfrm>
+            <a:off x="3627120" y="5987415"/>
+            <a:ext cx="342900" cy="88265"/>
+          </a:xfrm>
+          <a:prstGeom prst="straightConnector1">
+            <a:avLst/>
+          </a:prstGeom>
+          <a:ln>
+            <a:headEnd type="none" w="lg" len="lg"/>
+            <a:tailEnd type="none" w="lg" len="lg"/>
+          </a:ln>
+        </p:spPr>
+        <p:style>
+          <a:lnRef idx="1">
+            <a:schemeClr val="accent1"/>
+          </a:lnRef>
+          <a:fillRef idx="0">
+            <a:schemeClr val="accent1"/>
+          </a:fillRef>
+          <a:effectRef idx="0">
+            <a:schemeClr val="accent1"/>
+          </a:effectRef>
+          <a:fontRef idx="minor">
+            <a:schemeClr val="tx1"/>
+          </a:fontRef>
+        </p:style>
+      </p:cxnSp>
+      <p:cxnSp>
+        <p:nvCxnSpPr>
+          <p:cNvPr id="264" name="直接箭头连接符 263"/>
+          <p:cNvCxnSpPr>
+            <a:endCxn id="242" idx="1"/>
+          </p:cNvCxnSpPr>
+          <p:nvPr/>
+        </p:nvCxnSpPr>
+        <p:spPr>
+          <a:xfrm>
+            <a:off x="3638550" y="5991225"/>
+            <a:ext cx="330835" cy="544830"/>
+          </a:xfrm>
+          <a:prstGeom prst="straightConnector1">
+            <a:avLst/>
+          </a:prstGeom>
+          <a:ln>
+            <a:headEnd type="none" w="lg" len="lg"/>
+            <a:tailEnd type="none" w="lg" len="lg"/>
+          </a:ln>
+        </p:spPr>
+        <p:style>
+          <a:lnRef idx="1">
+            <a:schemeClr val="accent1"/>
+          </a:lnRef>
+          <a:fillRef idx="0">
+            <a:schemeClr val="accent1"/>
+          </a:fillRef>
+          <a:effectRef idx="0">
+            <a:schemeClr val="accent1"/>
+          </a:effectRef>
+          <a:fontRef idx="minor">
+            <a:schemeClr val="tx1"/>
+          </a:fontRef>
+        </p:style>
+      </p:cxnSp>
+      <p:cxnSp>
+        <p:nvCxnSpPr>
+          <p:cNvPr id="265" name="直接连接符 264"/>
+          <p:cNvCxnSpPr>
+            <a:stCxn id="185" idx="3"/>
+          </p:cNvCxnSpPr>
+          <p:nvPr/>
+        </p:nvCxnSpPr>
+        <p:spPr>
+          <a:xfrm flipV="1">
+            <a:off x="1360805" y="1600200"/>
+            <a:ext cx="1148080" cy="419100"/>
           </a:xfrm>
           <a:prstGeom prst="line">
             <a:avLst/>
